--- a/doc/포럼검색화면설계서_20150120.pptx
+++ b/doc/포럼검색화면설계서_20150120.pptx
@@ -7,8 +7,10 @@
   <p:sldIdLst>
     <p:sldId id="256" r:id="rId2"/>
     <p:sldId id="257" r:id="rId3"/>
-    <p:sldId id="259" r:id="rId4"/>
-    <p:sldId id="258" r:id="rId5"/>
+    <p:sldId id="260" r:id="rId4"/>
+    <p:sldId id="261" r:id="rId5"/>
+    <p:sldId id="259" r:id="rId6"/>
+    <p:sldId id="258" r:id="rId7"/>
   </p:sldIdLst>
   <p:sldSz cx="9144000" cy="6858000" type="screen4x3"/>
   <p:notesSz cx="6858000" cy="9144000"/>
@@ -291,7 +293,7 @@
           <a:p>
             <a:fld id="{D68016ED-089A-46F8-B5D6-3CD20C18E99E}" type="datetimeFigureOut">
               <a:rPr lang="ko-KR" altLang="en-US" smtClean="0"/>
-              <a:t>2016-01-20</a:t>
+              <a:t>2016-01-21</a:t>
             </a:fld>
             <a:endParaRPr lang="ko-KR" altLang="en-US"/>
           </a:p>
@@ -461,7 +463,7 @@
           <a:p>
             <a:fld id="{D68016ED-089A-46F8-B5D6-3CD20C18E99E}" type="datetimeFigureOut">
               <a:rPr lang="ko-KR" altLang="en-US" smtClean="0"/>
-              <a:t>2016-01-20</a:t>
+              <a:t>2016-01-21</a:t>
             </a:fld>
             <a:endParaRPr lang="ko-KR" altLang="en-US"/>
           </a:p>
@@ -641,7 +643,7 @@
           <a:p>
             <a:fld id="{D68016ED-089A-46F8-B5D6-3CD20C18E99E}" type="datetimeFigureOut">
               <a:rPr lang="ko-KR" altLang="en-US" smtClean="0"/>
-              <a:t>2016-01-20</a:t>
+              <a:t>2016-01-21</a:t>
             </a:fld>
             <a:endParaRPr lang="ko-KR" altLang="en-US"/>
           </a:p>
@@ -811,7 +813,7 @@
           <a:p>
             <a:fld id="{D68016ED-089A-46F8-B5D6-3CD20C18E99E}" type="datetimeFigureOut">
               <a:rPr lang="ko-KR" altLang="en-US" smtClean="0"/>
-              <a:t>2016-01-20</a:t>
+              <a:t>2016-01-21</a:t>
             </a:fld>
             <a:endParaRPr lang="ko-KR" altLang="en-US"/>
           </a:p>
@@ -1057,7 +1059,7 @@
           <a:p>
             <a:fld id="{D68016ED-089A-46F8-B5D6-3CD20C18E99E}" type="datetimeFigureOut">
               <a:rPr lang="ko-KR" altLang="en-US" smtClean="0"/>
-              <a:t>2016-01-20</a:t>
+              <a:t>2016-01-21</a:t>
             </a:fld>
             <a:endParaRPr lang="ko-KR" altLang="en-US"/>
           </a:p>
@@ -1345,7 +1347,7 @@
           <a:p>
             <a:fld id="{D68016ED-089A-46F8-B5D6-3CD20C18E99E}" type="datetimeFigureOut">
               <a:rPr lang="ko-KR" altLang="en-US" smtClean="0"/>
-              <a:t>2016-01-20</a:t>
+              <a:t>2016-01-21</a:t>
             </a:fld>
             <a:endParaRPr lang="ko-KR" altLang="en-US"/>
           </a:p>
@@ -1767,7 +1769,7 @@
           <a:p>
             <a:fld id="{D68016ED-089A-46F8-B5D6-3CD20C18E99E}" type="datetimeFigureOut">
               <a:rPr lang="ko-KR" altLang="en-US" smtClean="0"/>
-              <a:t>2016-01-20</a:t>
+              <a:t>2016-01-21</a:t>
             </a:fld>
             <a:endParaRPr lang="ko-KR" altLang="en-US"/>
           </a:p>
@@ -1885,7 +1887,7 @@
           <a:p>
             <a:fld id="{D68016ED-089A-46F8-B5D6-3CD20C18E99E}" type="datetimeFigureOut">
               <a:rPr lang="ko-KR" altLang="en-US" smtClean="0"/>
-              <a:t>2016-01-20</a:t>
+              <a:t>2016-01-21</a:t>
             </a:fld>
             <a:endParaRPr lang="ko-KR" altLang="en-US"/>
           </a:p>
@@ -1980,7 +1982,7 @@
           <a:p>
             <a:fld id="{D68016ED-089A-46F8-B5D6-3CD20C18E99E}" type="datetimeFigureOut">
               <a:rPr lang="ko-KR" altLang="en-US" smtClean="0"/>
-              <a:t>2016-01-20</a:t>
+              <a:t>2016-01-21</a:t>
             </a:fld>
             <a:endParaRPr lang="ko-KR" altLang="en-US"/>
           </a:p>
@@ -2257,7 +2259,7 @@
           <a:p>
             <a:fld id="{D68016ED-089A-46F8-B5D6-3CD20C18E99E}" type="datetimeFigureOut">
               <a:rPr lang="ko-KR" altLang="en-US" smtClean="0"/>
-              <a:t>2016-01-20</a:t>
+              <a:t>2016-01-21</a:t>
             </a:fld>
             <a:endParaRPr lang="ko-KR" altLang="en-US"/>
           </a:p>
@@ -2510,7 +2512,7 @@
           <a:p>
             <a:fld id="{D68016ED-089A-46F8-B5D6-3CD20C18E99E}" type="datetimeFigureOut">
               <a:rPr lang="ko-KR" altLang="en-US" smtClean="0"/>
-              <a:t>2016-01-20</a:t>
+              <a:t>2016-01-21</a:t>
             </a:fld>
             <a:endParaRPr lang="ko-KR" altLang="en-US"/>
           </a:p>
@@ -2723,7 +2725,7 @@
           <a:p>
             <a:fld id="{D68016ED-089A-46F8-B5D6-3CD20C18E99E}" type="datetimeFigureOut">
               <a:rPr lang="ko-KR" altLang="en-US" smtClean="0"/>
-              <a:t>2016-01-20</a:t>
+              <a:t>2016-01-21</a:t>
             </a:fld>
             <a:endParaRPr lang="ko-KR" altLang="en-US"/>
           </a:p>
@@ -3289,7 +3291,23 @@
             </a:pPr>
             <a:r>
               <a:rPr lang="ko-KR" altLang="en-US" sz="1400" dirty="0" smtClean="0"/>
-              <a:t>조건 검색</a:t>
+              <a:t>조건 </a:t>
+            </a:r>
+            <a:r>
+              <a:rPr lang="ko-KR" altLang="en-US" sz="1400" dirty="0" smtClean="0"/>
+              <a:t>검색</a:t>
+            </a:r>
+            <a:r>
+              <a:rPr lang="en-US" altLang="ko-KR" sz="1400" dirty="0" smtClean="0"/>
+              <a:t>(</a:t>
+            </a:r>
+            <a:r>
+              <a:rPr lang="ko-KR" altLang="en-US" sz="1400" dirty="0" smtClean="0"/>
+              <a:t>영역</a:t>
+            </a:r>
+            <a:r>
+              <a:rPr lang="en-US" altLang="ko-KR" sz="1400" dirty="0" smtClean="0"/>
+              <a:t>)</a:t>
             </a:r>
             <a:endParaRPr lang="en-US" altLang="ko-KR" sz="1400" dirty="0" smtClean="0"/>
           </a:p>
@@ -3365,6 +3383,18 @@
               <a:rPr lang="ko-KR" altLang="en-US" sz="1400" dirty="0" smtClean="0"/>
               <a:t>제한검색</a:t>
             </a:r>
+            <a:r>
+              <a:rPr lang="en-US" altLang="ko-KR" sz="1400" dirty="0" smtClean="0"/>
+              <a:t>(</a:t>
+            </a:r>
+            <a:r>
+              <a:rPr lang="ko-KR" altLang="en-US" sz="1400" dirty="0" smtClean="0"/>
+              <a:t>범위</a:t>
+            </a:r>
+            <a:r>
+              <a:rPr lang="en-US" altLang="ko-KR" sz="1400" dirty="0" smtClean="0"/>
+              <a:t>)</a:t>
+            </a:r>
             <a:endParaRPr lang="en-US" altLang="ko-KR" sz="1400" dirty="0" smtClean="0"/>
           </a:p>
           <a:p>
@@ -3385,12 +3415,9 @@
             </a:pPr>
             <a:r>
               <a:rPr lang="ko-KR" altLang="en-US" sz="1200" dirty="0" smtClean="0"/>
-              <a:t>등등</a:t>
-            </a:r>
-            <a:r>
-              <a:rPr lang="en-US" altLang="ko-KR" sz="1200" dirty="0" smtClean="0"/>
-              <a:t>..</a:t>
-            </a:r>
+              <a:t>기간</a:t>
+            </a:r>
+            <a:endParaRPr lang="en-US" altLang="ko-KR" sz="1200" dirty="0" smtClean="0"/>
           </a:p>
           <a:p>
             <a:pPr marL="514350" indent="-514350">
@@ -3410,12 +3437,16 @@
             </a:pPr>
             <a:r>
               <a:rPr lang="ko-KR" altLang="en-US" sz="1200" dirty="0" smtClean="0"/>
-              <a:t>정확도</a:t>
+              <a:t>유사</a:t>
+            </a:r>
+            <a:r>
+              <a:rPr lang="ko-KR" altLang="en-US" sz="1200" dirty="0"/>
+              <a:t>도</a:t>
             </a:r>
             <a:endParaRPr lang="en-US" altLang="ko-KR" sz="1200" dirty="0" smtClean="0"/>
           </a:p>
           <a:p>
-            <a:pPr marL="971550" lvl="1" indent="-514350">
+            <a:pPr marL="890588" lvl="1" indent="-439738">
               <a:buFont typeface="+mj-lt"/>
               <a:buAutoNum type="arabicPeriod"/>
             </a:pPr>
@@ -3674,6 +3705,4234 @@
         <p:spPr>
           <a:xfrm>
             <a:off x="457200" y="274638"/>
+            <a:ext cx="8229600" cy="706090"/>
+          </a:xfrm>
+        </p:spPr>
+        <p:txBody>
+          <a:bodyPr>
+            <a:normAutofit fontScale="90000"/>
+          </a:bodyPr>
+          <a:lstStyle/>
+          <a:p>
+            <a:r>
+              <a:rPr lang="ko-KR" altLang="en-US" dirty="0" smtClean="0"/>
+              <a:t>검색조건 인터페이스</a:t>
+            </a:r>
+            <a:endParaRPr lang="ko-KR" altLang="en-US" dirty="0"/>
+          </a:p>
+        </p:txBody>
+      </p:sp>
+      <p:sp>
+        <p:nvSpPr>
+          <p:cNvPr id="4" name="타원 3"/>
+          <p:cNvSpPr>
+            <a:spLocks noChangeAspect="1"/>
+          </p:cNvSpPr>
+          <p:nvPr/>
+        </p:nvSpPr>
+        <p:spPr>
+          <a:xfrm>
+            <a:off x="1763688" y="2348880"/>
+            <a:ext cx="123891" cy="123891"/>
+          </a:xfrm>
+          <a:prstGeom prst="ellipse">
+            <a:avLst/>
+          </a:prstGeom>
+        </p:spPr>
+        <p:style>
+          <a:lnRef idx="2">
+            <a:schemeClr val="accent1">
+              <a:shade val="50000"/>
+            </a:schemeClr>
+          </a:lnRef>
+          <a:fillRef idx="1">
+            <a:schemeClr val="accent1"/>
+          </a:fillRef>
+          <a:effectRef idx="0">
+            <a:schemeClr val="accent1"/>
+          </a:effectRef>
+          <a:fontRef idx="minor">
+            <a:schemeClr val="lt1"/>
+          </a:fontRef>
+        </p:style>
+        <p:txBody>
+          <a:bodyPr lIns="0" tIns="0" rIns="0" bIns="0" rtlCol="0" anchor="ctr"/>
+          <a:lstStyle/>
+          <a:p>
+            <a:pPr algn="ctr"/>
+            <a:r>
+              <a:rPr lang="en-US" altLang="ko-KR" sz="800" dirty="0" smtClean="0"/>
+              <a:t>1</a:t>
+            </a:r>
+            <a:endParaRPr lang="ko-KR" altLang="en-US" sz="800" dirty="0"/>
+          </a:p>
+        </p:txBody>
+      </p:sp>
+      <p:sp>
+        <p:nvSpPr>
+          <p:cNvPr id="10" name="타원 9"/>
+          <p:cNvSpPr>
+            <a:spLocks noChangeAspect="1"/>
+          </p:cNvSpPr>
+          <p:nvPr/>
+        </p:nvSpPr>
+        <p:spPr>
+          <a:xfrm>
+            <a:off x="3995936" y="2348880"/>
+            <a:ext cx="123891" cy="123891"/>
+          </a:xfrm>
+          <a:prstGeom prst="ellipse">
+            <a:avLst/>
+          </a:prstGeom>
+        </p:spPr>
+        <p:style>
+          <a:lnRef idx="2">
+            <a:schemeClr val="accent1">
+              <a:shade val="50000"/>
+            </a:schemeClr>
+          </a:lnRef>
+          <a:fillRef idx="1">
+            <a:schemeClr val="accent1"/>
+          </a:fillRef>
+          <a:effectRef idx="0">
+            <a:schemeClr val="accent1"/>
+          </a:effectRef>
+          <a:fontRef idx="minor">
+            <a:schemeClr val="lt1"/>
+          </a:fontRef>
+        </p:style>
+        <p:txBody>
+          <a:bodyPr lIns="0" tIns="0" rIns="0" bIns="0" rtlCol="0" anchor="ctr"/>
+          <a:lstStyle/>
+          <a:p>
+            <a:pPr algn="ctr"/>
+            <a:r>
+              <a:rPr lang="en-US" altLang="ko-KR" sz="800" dirty="0" smtClean="0"/>
+              <a:t>3</a:t>
+            </a:r>
+          </a:p>
+        </p:txBody>
+      </p:sp>
+      <p:sp>
+        <p:nvSpPr>
+          <p:cNvPr id="9" name="타원 8"/>
+          <p:cNvSpPr>
+            <a:spLocks noChangeAspect="1"/>
+          </p:cNvSpPr>
+          <p:nvPr/>
+        </p:nvSpPr>
+        <p:spPr>
+          <a:xfrm>
+            <a:off x="2915816" y="2360455"/>
+            <a:ext cx="123891" cy="123891"/>
+          </a:xfrm>
+          <a:prstGeom prst="ellipse">
+            <a:avLst/>
+          </a:prstGeom>
+        </p:spPr>
+        <p:style>
+          <a:lnRef idx="2">
+            <a:schemeClr val="accent1">
+              <a:shade val="50000"/>
+            </a:schemeClr>
+          </a:lnRef>
+          <a:fillRef idx="1">
+            <a:schemeClr val="accent1"/>
+          </a:fillRef>
+          <a:effectRef idx="0">
+            <a:schemeClr val="accent1"/>
+          </a:effectRef>
+          <a:fontRef idx="minor">
+            <a:schemeClr val="lt1"/>
+          </a:fontRef>
+        </p:style>
+        <p:txBody>
+          <a:bodyPr lIns="0" tIns="0" rIns="0" bIns="0" rtlCol="0" anchor="ctr"/>
+          <a:lstStyle/>
+          <a:p>
+            <a:pPr algn="ctr"/>
+            <a:r>
+              <a:rPr lang="en-US" altLang="ko-KR" sz="800" dirty="0" smtClean="0"/>
+              <a:t>2</a:t>
+            </a:r>
+          </a:p>
+        </p:txBody>
+      </p:sp>
+      <p:sp>
+        <p:nvSpPr>
+          <p:cNvPr id="5" name="직사각형 4"/>
+          <p:cNvSpPr/>
+          <p:nvPr/>
+        </p:nvSpPr>
+        <p:spPr>
+          <a:xfrm>
+            <a:off x="1233978" y="1916832"/>
+            <a:ext cx="6696744" cy="883794"/>
+          </a:xfrm>
+          <a:prstGeom prst="rect">
+            <a:avLst/>
+          </a:prstGeom>
+          <a:noFill/>
+          <a:ln>
+            <a:solidFill>
+              <a:schemeClr val="tx1"/>
+            </a:solidFill>
+          </a:ln>
+        </p:spPr>
+        <p:style>
+          <a:lnRef idx="2">
+            <a:schemeClr val="accent1">
+              <a:shade val="50000"/>
+            </a:schemeClr>
+          </a:lnRef>
+          <a:fillRef idx="1">
+            <a:schemeClr val="accent1"/>
+          </a:fillRef>
+          <a:effectRef idx="0">
+            <a:schemeClr val="accent1"/>
+          </a:effectRef>
+          <a:fontRef idx="minor">
+            <a:schemeClr val="lt1"/>
+          </a:fontRef>
+        </p:style>
+        <p:txBody>
+          <a:bodyPr rtlCol="0" anchor="ctr"/>
+          <a:lstStyle/>
+          <a:p>
+            <a:pPr algn="ctr"/>
+            <a:endParaRPr lang="ko-KR" altLang="en-US"/>
+          </a:p>
+        </p:txBody>
+      </p:sp>
+      <p:sp>
+        <p:nvSpPr>
+          <p:cNvPr id="12" name="직사각형 11"/>
+          <p:cNvSpPr/>
+          <p:nvPr/>
+        </p:nvSpPr>
+        <p:spPr>
+          <a:xfrm>
+            <a:off x="3059832" y="2276872"/>
+            <a:ext cx="826666" cy="288032"/>
+          </a:xfrm>
+          <a:prstGeom prst="rect">
+            <a:avLst/>
+          </a:prstGeom>
+          <a:noFill/>
+          <a:ln>
+            <a:solidFill>
+              <a:schemeClr val="tx1"/>
+            </a:solidFill>
+          </a:ln>
+        </p:spPr>
+        <p:style>
+          <a:lnRef idx="2">
+            <a:schemeClr val="accent1">
+              <a:shade val="50000"/>
+            </a:schemeClr>
+          </a:lnRef>
+          <a:fillRef idx="1">
+            <a:schemeClr val="accent1"/>
+          </a:fillRef>
+          <a:effectRef idx="0">
+            <a:schemeClr val="accent1"/>
+          </a:effectRef>
+          <a:fontRef idx="minor">
+            <a:schemeClr val="lt1"/>
+          </a:fontRef>
+        </p:style>
+        <p:txBody>
+          <a:bodyPr rtlCol="0" anchor="ctr"/>
+          <a:lstStyle/>
+          <a:p>
+            <a:pPr algn="ctr"/>
+            <a:r>
+              <a:rPr lang="ko-KR" altLang="en-US" sz="1100" dirty="0" smtClean="0">
+                <a:solidFill>
+                  <a:schemeClr val="tx1"/>
+                </a:solidFill>
+              </a:rPr>
+              <a:t>영역 ▼</a:t>
+            </a:r>
+            <a:endParaRPr lang="ko-KR" altLang="en-US" sz="1100" dirty="0">
+              <a:solidFill>
+                <a:schemeClr val="tx1"/>
+              </a:solidFill>
+            </a:endParaRPr>
+          </a:p>
+        </p:txBody>
+      </p:sp>
+      <p:sp>
+        <p:nvSpPr>
+          <p:cNvPr id="13" name="직사각형 12"/>
+          <p:cNvSpPr/>
+          <p:nvPr/>
+        </p:nvSpPr>
+        <p:spPr>
+          <a:xfrm>
+            <a:off x="1929274" y="2276872"/>
+            <a:ext cx="826666" cy="288032"/>
+          </a:xfrm>
+          <a:prstGeom prst="rect">
+            <a:avLst/>
+          </a:prstGeom>
+          <a:noFill/>
+          <a:ln>
+            <a:solidFill>
+              <a:schemeClr val="tx1"/>
+            </a:solidFill>
+          </a:ln>
+        </p:spPr>
+        <p:style>
+          <a:lnRef idx="2">
+            <a:schemeClr val="accent1">
+              <a:shade val="50000"/>
+            </a:schemeClr>
+          </a:lnRef>
+          <a:fillRef idx="1">
+            <a:schemeClr val="accent1"/>
+          </a:fillRef>
+          <a:effectRef idx="0">
+            <a:schemeClr val="accent1"/>
+          </a:effectRef>
+          <a:fontRef idx="minor">
+            <a:schemeClr val="lt1"/>
+          </a:fontRef>
+        </p:style>
+        <p:txBody>
+          <a:bodyPr rtlCol="0" anchor="ctr"/>
+          <a:lstStyle/>
+          <a:p>
+            <a:pPr algn="ctr"/>
+            <a:r>
+              <a:rPr lang="ko-KR" altLang="en-US" sz="1100" dirty="0" smtClean="0">
+                <a:solidFill>
+                  <a:schemeClr val="tx1"/>
+                </a:solidFill>
+              </a:rPr>
+              <a:t>정렬 ▼</a:t>
+            </a:r>
+            <a:endParaRPr lang="ko-KR" altLang="en-US" sz="1100" dirty="0">
+              <a:solidFill>
+                <a:schemeClr val="tx1"/>
+              </a:solidFill>
+            </a:endParaRPr>
+          </a:p>
+        </p:txBody>
+      </p:sp>
+      <p:sp>
+        <p:nvSpPr>
+          <p:cNvPr id="14" name="직사각형 13"/>
+          <p:cNvSpPr/>
+          <p:nvPr/>
+        </p:nvSpPr>
+        <p:spPr>
+          <a:xfrm>
+            <a:off x="4158667" y="2276872"/>
+            <a:ext cx="826666" cy="288032"/>
+          </a:xfrm>
+          <a:prstGeom prst="rect">
+            <a:avLst/>
+          </a:prstGeom>
+          <a:noFill/>
+          <a:ln>
+            <a:solidFill>
+              <a:schemeClr val="tx1"/>
+            </a:solidFill>
+          </a:ln>
+        </p:spPr>
+        <p:style>
+          <a:lnRef idx="2">
+            <a:schemeClr val="accent1">
+              <a:shade val="50000"/>
+            </a:schemeClr>
+          </a:lnRef>
+          <a:fillRef idx="1">
+            <a:schemeClr val="accent1"/>
+          </a:fillRef>
+          <a:effectRef idx="0">
+            <a:schemeClr val="accent1"/>
+          </a:effectRef>
+          <a:fontRef idx="minor">
+            <a:schemeClr val="lt1"/>
+          </a:fontRef>
+        </p:style>
+        <p:txBody>
+          <a:bodyPr rtlCol="0" anchor="ctr"/>
+          <a:lstStyle/>
+          <a:p>
+            <a:pPr algn="ctr"/>
+            <a:r>
+              <a:rPr lang="ko-KR" altLang="en-US" sz="1100" dirty="0" smtClean="0">
+                <a:solidFill>
+                  <a:schemeClr val="tx1"/>
+                </a:solidFill>
+              </a:rPr>
+              <a:t>기간 ▼</a:t>
+            </a:r>
+            <a:endParaRPr lang="ko-KR" altLang="en-US" sz="1100" dirty="0">
+              <a:solidFill>
+                <a:schemeClr val="tx1"/>
+              </a:solidFill>
+            </a:endParaRPr>
+          </a:p>
+        </p:txBody>
+      </p:sp>
+      <p:graphicFrame>
+        <p:nvGraphicFramePr>
+          <p:cNvPr id="6" name="표 5"/>
+          <p:cNvGraphicFramePr>
+            <a:graphicFrameLocks noGrp="1"/>
+          </p:cNvGraphicFramePr>
+          <p:nvPr>
+            <p:extLst>
+              <p:ext uri="{D42A27DB-BD31-4B8C-83A1-F6EECF244321}">
+                <p14:modId xmlns:p14="http://schemas.microsoft.com/office/powerpoint/2010/main" val="3474150273"/>
+              </p:ext>
+            </p:extLst>
+          </p:nvPr>
+        </p:nvGraphicFramePr>
+        <p:xfrm>
+          <a:off x="306239" y="2996952"/>
+          <a:ext cx="8442225" cy="3352800"/>
+        </p:xfrm>
+        <a:graphic>
+          <a:graphicData uri="http://schemas.openxmlformats.org/drawingml/2006/table">
+            <a:tbl>
+              <a:tblPr firstRow="1" bandRow="1">
+                <a:tableStyleId>{69012ECD-51FC-41F1-AA8D-1B2483CD663E}</a:tableStyleId>
+              </a:tblPr>
+              <a:tblGrid>
+                <a:gridCol w="1334357"/>
+                <a:gridCol w="1491244"/>
+                <a:gridCol w="5616624"/>
+              </a:tblGrid>
+              <a:tr h="255627">
+                <a:tc>
+                  <a:txBody>
+                    <a:bodyPr/>
+                    <a:lstStyle/>
+                    <a:p>
+                      <a:pPr latinLnBrk="1"/>
+                      <a:r>
+                        <a:rPr lang="ko-KR" altLang="en-US" sz="1400" dirty="0" smtClean="0"/>
+                        <a:t>구분</a:t>
+                      </a:r>
+                      <a:endParaRPr lang="ko-KR" altLang="en-US" sz="1400" dirty="0"/>
+                    </a:p>
+                  </a:txBody>
+                  <a:tcPr>
+                    <a:lnL w="12700" cap="flat" cmpd="sng" algn="ctr">
+                      <a:solidFill>
+                        <a:schemeClr val="tx1"/>
+                      </a:solidFill>
+                      <a:prstDash val="solid"/>
+                      <a:round/>
+                      <a:headEnd type="none" w="med" len="med"/>
+                      <a:tailEnd type="none" w="med" len="med"/>
+                    </a:lnL>
+                    <a:lnR w="12700" cap="flat" cmpd="sng" algn="ctr">
+                      <a:solidFill>
+                        <a:schemeClr val="tx1"/>
+                      </a:solidFill>
+                      <a:prstDash val="solid"/>
+                      <a:round/>
+                      <a:headEnd type="none" w="med" len="med"/>
+                      <a:tailEnd type="none" w="med" len="med"/>
+                    </a:lnR>
+                    <a:lnT w="12700" cap="flat" cmpd="sng" algn="ctr">
+                      <a:solidFill>
+                        <a:schemeClr val="tx1"/>
+                      </a:solidFill>
+                      <a:prstDash val="solid"/>
+                      <a:round/>
+                      <a:headEnd type="none" w="med" len="med"/>
+                      <a:tailEnd type="none" w="med" len="med"/>
+                    </a:lnT>
+                    <a:lnB w="12700" cap="flat" cmpd="sng" algn="ctr">
+                      <a:solidFill>
+                        <a:schemeClr val="tx1"/>
+                      </a:solidFill>
+                      <a:prstDash val="solid"/>
+                      <a:round/>
+                      <a:headEnd type="none" w="med" len="med"/>
+                      <a:tailEnd type="none" w="med" len="med"/>
+                    </a:lnB>
+                    <a:lnTlToBr w="12700" cmpd="sng">
+                      <a:noFill/>
+                      <a:prstDash val="solid"/>
+                    </a:lnTlToBr>
+                    <a:lnBlToTr w="12700" cmpd="sng">
+                      <a:noFill/>
+                      <a:prstDash val="solid"/>
+                    </a:lnBlToTr>
+                  </a:tcPr>
+                </a:tc>
+                <a:tc>
+                  <a:txBody>
+                    <a:bodyPr/>
+                    <a:lstStyle/>
+                    <a:p>
+                      <a:pPr latinLnBrk="1"/>
+                      <a:r>
+                        <a:rPr lang="ko-KR" altLang="en-US" sz="1400" dirty="0" smtClean="0"/>
+                        <a:t>항목</a:t>
+                      </a:r>
+                      <a:endParaRPr lang="ko-KR" altLang="en-US" sz="1400" dirty="0"/>
+                    </a:p>
+                  </a:txBody>
+                  <a:tcPr>
+                    <a:lnL w="12700" cap="flat" cmpd="sng" algn="ctr">
+                      <a:solidFill>
+                        <a:schemeClr val="tx1"/>
+                      </a:solidFill>
+                      <a:prstDash val="solid"/>
+                      <a:round/>
+                      <a:headEnd type="none" w="med" len="med"/>
+                      <a:tailEnd type="none" w="med" len="med"/>
+                    </a:lnL>
+                    <a:lnR w="12700" cap="flat" cmpd="sng" algn="ctr">
+                      <a:solidFill>
+                        <a:schemeClr val="tx1"/>
+                      </a:solidFill>
+                      <a:prstDash val="solid"/>
+                      <a:round/>
+                      <a:headEnd type="none" w="med" len="med"/>
+                      <a:tailEnd type="none" w="med" len="med"/>
+                    </a:lnR>
+                    <a:lnT w="12700" cap="flat" cmpd="sng" algn="ctr">
+                      <a:solidFill>
+                        <a:schemeClr val="tx1"/>
+                      </a:solidFill>
+                      <a:prstDash val="solid"/>
+                      <a:round/>
+                      <a:headEnd type="none" w="med" len="med"/>
+                      <a:tailEnd type="none" w="med" len="med"/>
+                    </a:lnT>
+                    <a:lnB w="12700" cap="flat" cmpd="sng" algn="ctr">
+                      <a:solidFill>
+                        <a:schemeClr val="tx1"/>
+                      </a:solidFill>
+                      <a:prstDash val="solid"/>
+                      <a:round/>
+                      <a:headEnd type="none" w="med" len="med"/>
+                      <a:tailEnd type="none" w="med" len="med"/>
+                    </a:lnB>
+                    <a:lnTlToBr w="12700" cmpd="sng">
+                      <a:noFill/>
+                      <a:prstDash val="solid"/>
+                    </a:lnTlToBr>
+                    <a:lnBlToTr w="12700" cmpd="sng">
+                      <a:noFill/>
+                      <a:prstDash val="solid"/>
+                    </a:lnBlToTr>
+                  </a:tcPr>
+                </a:tc>
+                <a:tc>
+                  <a:txBody>
+                    <a:bodyPr/>
+                    <a:lstStyle/>
+                    <a:p>
+                      <a:pPr latinLnBrk="1"/>
+                      <a:r>
+                        <a:rPr lang="ko-KR" altLang="en-US" sz="1400" dirty="0" smtClean="0"/>
+                        <a:t>검색 </a:t>
+                      </a:r>
+                      <a:r>
+                        <a:rPr lang="ko-KR" altLang="en-US" sz="1400" dirty="0" err="1" smtClean="0"/>
+                        <a:t>파라미터</a:t>
+                      </a:r>
+                      <a:endParaRPr lang="ko-KR" altLang="en-US" sz="1400" dirty="0"/>
+                    </a:p>
+                  </a:txBody>
+                  <a:tcPr>
+                    <a:lnL w="12700" cap="flat" cmpd="sng" algn="ctr">
+                      <a:solidFill>
+                        <a:schemeClr val="tx1"/>
+                      </a:solidFill>
+                      <a:prstDash val="solid"/>
+                      <a:round/>
+                      <a:headEnd type="none" w="med" len="med"/>
+                      <a:tailEnd type="none" w="med" len="med"/>
+                    </a:lnL>
+                    <a:lnR w="12700" cap="flat" cmpd="sng" algn="ctr">
+                      <a:solidFill>
+                        <a:schemeClr val="tx1"/>
+                      </a:solidFill>
+                      <a:prstDash val="solid"/>
+                      <a:round/>
+                      <a:headEnd type="none" w="med" len="med"/>
+                      <a:tailEnd type="none" w="med" len="med"/>
+                    </a:lnR>
+                    <a:lnT w="12700" cap="flat" cmpd="sng" algn="ctr">
+                      <a:solidFill>
+                        <a:schemeClr val="tx1"/>
+                      </a:solidFill>
+                      <a:prstDash val="solid"/>
+                      <a:round/>
+                      <a:headEnd type="none" w="med" len="med"/>
+                      <a:tailEnd type="none" w="med" len="med"/>
+                    </a:lnT>
+                    <a:lnB w="12700" cap="flat" cmpd="sng" algn="ctr">
+                      <a:solidFill>
+                        <a:schemeClr val="tx1"/>
+                      </a:solidFill>
+                      <a:prstDash val="solid"/>
+                      <a:round/>
+                      <a:headEnd type="none" w="med" len="med"/>
+                      <a:tailEnd type="none" w="med" len="med"/>
+                    </a:lnB>
+                    <a:lnTlToBr w="12700" cmpd="sng">
+                      <a:noFill/>
+                      <a:prstDash val="solid"/>
+                    </a:lnTlToBr>
+                    <a:lnBlToTr w="12700" cmpd="sng">
+                      <a:noFill/>
+                      <a:prstDash val="solid"/>
+                    </a:lnBlToTr>
+                  </a:tcPr>
+                </a:tc>
+              </a:tr>
+              <a:tr h="255627">
+                <a:tc rowSpan="2">
+                  <a:txBody>
+                    <a:bodyPr/>
+                    <a:lstStyle/>
+                    <a:p>
+                      <a:pPr latinLnBrk="1">
+                        <a:buAutoNum type="arabicPeriod"/>
+                      </a:pPr>
+                      <a:r>
+                        <a:rPr lang="ko-KR" altLang="en-US" sz="1400" dirty="0" smtClean="0"/>
+                        <a:t> 정렬</a:t>
+                      </a:r>
+                      <a:endParaRPr lang="ko-KR" altLang="en-US" sz="1400" dirty="0"/>
+                    </a:p>
+                  </a:txBody>
+                  <a:tcPr>
+                    <a:lnL w="12700" cap="flat" cmpd="sng" algn="ctr">
+                      <a:solidFill>
+                        <a:schemeClr val="tx1"/>
+                      </a:solidFill>
+                      <a:prstDash val="solid"/>
+                      <a:round/>
+                      <a:headEnd type="none" w="med" len="med"/>
+                      <a:tailEnd type="none" w="med" len="med"/>
+                    </a:lnL>
+                    <a:lnR w="12700" cap="flat" cmpd="sng" algn="ctr">
+                      <a:solidFill>
+                        <a:schemeClr val="tx1"/>
+                      </a:solidFill>
+                      <a:prstDash val="solid"/>
+                      <a:round/>
+                      <a:headEnd type="none" w="med" len="med"/>
+                      <a:tailEnd type="none" w="med" len="med"/>
+                    </a:lnR>
+                    <a:lnT w="12700" cap="flat" cmpd="sng" algn="ctr">
+                      <a:solidFill>
+                        <a:schemeClr val="tx1"/>
+                      </a:solidFill>
+                      <a:prstDash val="solid"/>
+                      <a:round/>
+                      <a:headEnd type="none" w="med" len="med"/>
+                      <a:tailEnd type="none" w="med" len="med"/>
+                    </a:lnT>
+                    <a:lnB w="12700" cap="flat" cmpd="sng" algn="ctr">
+                      <a:solidFill>
+                        <a:schemeClr val="tx1"/>
+                      </a:solidFill>
+                      <a:prstDash val="solid"/>
+                      <a:round/>
+                      <a:headEnd type="none" w="med" len="med"/>
+                      <a:tailEnd type="none" w="med" len="med"/>
+                    </a:lnB>
+                    <a:lnTlToBr w="12700" cmpd="sng">
+                      <a:noFill/>
+                      <a:prstDash val="solid"/>
+                    </a:lnTlToBr>
+                    <a:lnBlToTr w="12700" cmpd="sng">
+                      <a:noFill/>
+                      <a:prstDash val="solid"/>
+                    </a:lnBlToTr>
+                  </a:tcPr>
+                </a:tc>
+                <a:tc>
+                  <a:txBody>
+                    <a:bodyPr/>
+                    <a:lstStyle/>
+                    <a:p>
+                      <a:pPr latinLnBrk="1"/>
+                      <a:r>
+                        <a:rPr lang="ko-KR" altLang="en-US" sz="1400" dirty="0" smtClean="0"/>
+                        <a:t>유사도순</a:t>
+                      </a:r>
+                      <a:endParaRPr lang="ko-KR" altLang="en-US" sz="1400" dirty="0"/>
+                    </a:p>
+                  </a:txBody>
+                  <a:tcPr>
+                    <a:lnL w="12700" cap="flat" cmpd="sng" algn="ctr">
+                      <a:solidFill>
+                        <a:schemeClr val="tx1"/>
+                      </a:solidFill>
+                      <a:prstDash val="solid"/>
+                      <a:round/>
+                      <a:headEnd type="none" w="med" len="med"/>
+                      <a:tailEnd type="none" w="med" len="med"/>
+                    </a:lnL>
+                    <a:lnR w="12700" cap="flat" cmpd="sng" algn="ctr">
+                      <a:solidFill>
+                        <a:schemeClr val="tx1"/>
+                      </a:solidFill>
+                      <a:prstDash val="solid"/>
+                      <a:round/>
+                      <a:headEnd type="none" w="med" len="med"/>
+                      <a:tailEnd type="none" w="med" len="med"/>
+                    </a:lnR>
+                    <a:lnT w="12700" cap="flat" cmpd="sng" algn="ctr">
+                      <a:solidFill>
+                        <a:schemeClr val="tx1"/>
+                      </a:solidFill>
+                      <a:prstDash val="solid"/>
+                      <a:round/>
+                      <a:headEnd type="none" w="med" len="med"/>
+                      <a:tailEnd type="none" w="med" len="med"/>
+                    </a:lnT>
+                    <a:lnB w="12700" cap="flat" cmpd="sng" algn="ctr">
+                      <a:solidFill>
+                        <a:schemeClr val="tx1"/>
+                      </a:solidFill>
+                      <a:prstDash val="solid"/>
+                      <a:round/>
+                      <a:headEnd type="none" w="med" len="med"/>
+                      <a:tailEnd type="none" w="med" len="med"/>
+                    </a:lnB>
+                    <a:lnTlToBr w="12700" cmpd="sng">
+                      <a:noFill/>
+                      <a:prstDash val="solid"/>
+                    </a:lnTlToBr>
+                    <a:lnBlToTr w="12700" cmpd="sng">
+                      <a:noFill/>
+                      <a:prstDash val="solid"/>
+                    </a:lnBlToTr>
+                  </a:tcPr>
+                </a:tc>
+                <a:tc>
+                  <a:txBody>
+                    <a:bodyPr/>
+                    <a:lstStyle/>
+                    <a:p>
+                      <a:pPr latinLnBrk="1"/>
+                      <a:r>
+                        <a:rPr lang="en-US" altLang="ko-KR" sz="1400" dirty="0" err="1" smtClean="0"/>
+                        <a:t>debugQuery</a:t>
+                      </a:r>
+                      <a:r>
+                        <a:rPr lang="en-US" altLang="ko-KR" sz="1400" dirty="0" smtClean="0"/>
+                        <a:t>=true </a:t>
+                      </a:r>
+                      <a:r>
+                        <a:rPr lang="ko-KR" altLang="en-US" sz="1400" dirty="0" smtClean="0"/>
+                        <a:t>또는</a:t>
+                      </a:r>
+                      <a:r>
+                        <a:rPr lang="en-US" altLang="ko-KR" sz="1400" dirty="0" smtClean="0"/>
+                        <a:t> </a:t>
+                      </a:r>
+                      <a:r>
+                        <a:rPr lang="en-US" altLang="ko-KR" sz="1400" dirty="0" err="1" smtClean="0"/>
+                        <a:t>fl</a:t>
+                      </a:r>
+                      <a:r>
+                        <a:rPr lang="en-US" altLang="ko-KR" sz="1400" baseline="0" dirty="0" smtClean="0"/>
+                        <a:t>=score</a:t>
+                      </a:r>
+                      <a:endParaRPr lang="ko-KR" altLang="en-US" sz="1400" dirty="0"/>
+                    </a:p>
+                  </a:txBody>
+                  <a:tcPr>
+                    <a:lnL w="12700" cap="flat" cmpd="sng" algn="ctr">
+                      <a:solidFill>
+                        <a:schemeClr val="tx1"/>
+                      </a:solidFill>
+                      <a:prstDash val="solid"/>
+                      <a:round/>
+                      <a:headEnd type="none" w="med" len="med"/>
+                      <a:tailEnd type="none" w="med" len="med"/>
+                    </a:lnL>
+                    <a:lnR w="12700" cap="flat" cmpd="sng" algn="ctr">
+                      <a:solidFill>
+                        <a:schemeClr val="tx1"/>
+                      </a:solidFill>
+                      <a:prstDash val="solid"/>
+                      <a:round/>
+                      <a:headEnd type="none" w="med" len="med"/>
+                      <a:tailEnd type="none" w="med" len="med"/>
+                    </a:lnR>
+                    <a:lnT w="12700" cap="flat" cmpd="sng" algn="ctr">
+                      <a:solidFill>
+                        <a:schemeClr val="tx1"/>
+                      </a:solidFill>
+                      <a:prstDash val="solid"/>
+                      <a:round/>
+                      <a:headEnd type="none" w="med" len="med"/>
+                      <a:tailEnd type="none" w="med" len="med"/>
+                    </a:lnT>
+                    <a:lnB w="12700" cap="flat" cmpd="sng" algn="ctr">
+                      <a:solidFill>
+                        <a:schemeClr val="tx1"/>
+                      </a:solidFill>
+                      <a:prstDash val="solid"/>
+                      <a:round/>
+                      <a:headEnd type="none" w="med" len="med"/>
+                      <a:tailEnd type="none" w="med" len="med"/>
+                    </a:lnB>
+                    <a:lnTlToBr w="12700" cmpd="sng">
+                      <a:noFill/>
+                      <a:prstDash val="solid"/>
+                    </a:lnTlToBr>
+                    <a:lnBlToTr w="12700" cmpd="sng">
+                      <a:noFill/>
+                      <a:prstDash val="solid"/>
+                    </a:lnBlToTr>
+                  </a:tcPr>
+                </a:tc>
+              </a:tr>
+              <a:tr h="255627">
+                <a:tc vMerge="1">
+                  <a:txBody>
+                    <a:bodyPr/>
+                    <a:lstStyle/>
+                    <a:p>
+                      <a:pPr latinLnBrk="1"/>
+                      <a:endParaRPr lang="ko-KR" altLang="en-US" sz="1400" dirty="0"/>
+                    </a:p>
+                  </a:txBody>
+                  <a:tcPr/>
+                </a:tc>
+                <a:tc>
+                  <a:txBody>
+                    <a:bodyPr/>
+                    <a:lstStyle/>
+                    <a:p>
+                      <a:pPr latinLnBrk="1"/>
+                      <a:r>
+                        <a:rPr lang="ko-KR" altLang="en-US" sz="1400" dirty="0" err="1" smtClean="0"/>
+                        <a:t>최신순</a:t>
+                      </a:r>
+                      <a:endParaRPr lang="ko-KR" altLang="en-US" sz="1400" dirty="0"/>
+                    </a:p>
+                  </a:txBody>
+                  <a:tcPr>
+                    <a:lnL w="12700" cap="flat" cmpd="sng" algn="ctr">
+                      <a:solidFill>
+                        <a:schemeClr val="tx1"/>
+                      </a:solidFill>
+                      <a:prstDash val="solid"/>
+                      <a:round/>
+                      <a:headEnd type="none" w="med" len="med"/>
+                      <a:tailEnd type="none" w="med" len="med"/>
+                    </a:lnL>
+                    <a:lnR w="12700" cap="flat" cmpd="sng" algn="ctr">
+                      <a:solidFill>
+                        <a:schemeClr val="tx1"/>
+                      </a:solidFill>
+                      <a:prstDash val="solid"/>
+                      <a:round/>
+                      <a:headEnd type="none" w="med" len="med"/>
+                      <a:tailEnd type="none" w="med" len="med"/>
+                    </a:lnR>
+                    <a:lnT w="12700" cap="flat" cmpd="sng" algn="ctr">
+                      <a:solidFill>
+                        <a:schemeClr val="tx1"/>
+                      </a:solidFill>
+                      <a:prstDash val="solid"/>
+                      <a:round/>
+                      <a:headEnd type="none" w="med" len="med"/>
+                      <a:tailEnd type="none" w="med" len="med"/>
+                    </a:lnT>
+                    <a:lnB w="12700" cap="flat" cmpd="sng" algn="ctr">
+                      <a:solidFill>
+                        <a:schemeClr val="tx1"/>
+                      </a:solidFill>
+                      <a:prstDash val="solid"/>
+                      <a:round/>
+                      <a:headEnd type="none" w="med" len="med"/>
+                      <a:tailEnd type="none" w="med" len="med"/>
+                    </a:lnB>
+                    <a:lnTlToBr w="12700" cmpd="sng">
+                      <a:noFill/>
+                      <a:prstDash val="solid"/>
+                    </a:lnTlToBr>
+                    <a:lnBlToTr w="12700" cmpd="sng">
+                      <a:noFill/>
+                      <a:prstDash val="solid"/>
+                    </a:lnBlToTr>
+                  </a:tcPr>
+                </a:tc>
+                <a:tc>
+                  <a:txBody>
+                    <a:bodyPr/>
+                    <a:lstStyle/>
+                    <a:p>
+                      <a:pPr latinLnBrk="1"/>
+                      <a:r>
+                        <a:rPr lang="en-US" altLang="ko-KR" sz="1400" dirty="0" smtClean="0"/>
+                        <a:t>sort=</a:t>
+                      </a:r>
+                      <a:r>
+                        <a:rPr lang="en-US" altLang="ko-KR" sz="1400" dirty="0" err="1" smtClean="0"/>
+                        <a:t>post_time+desc</a:t>
+                      </a:r>
+                      <a:endParaRPr lang="ko-KR" altLang="en-US" sz="1400" dirty="0"/>
+                    </a:p>
+                  </a:txBody>
+                  <a:tcPr>
+                    <a:lnL w="12700" cap="flat" cmpd="sng" algn="ctr">
+                      <a:solidFill>
+                        <a:schemeClr val="tx1"/>
+                      </a:solidFill>
+                      <a:prstDash val="solid"/>
+                      <a:round/>
+                      <a:headEnd type="none" w="med" len="med"/>
+                      <a:tailEnd type="none" w="med" len="med"/>
+                    </a:lnL>
+                    <a:lnR w="12700" cap="flat" cmpd="sng" algn="ctr">
+                      <a:solidFill>
+                        <a:schemeClr val="tx1"/>
+                      </a:solidFill>
+                      <a:prstDash val="solid"/>
+                      <a:round/>
+                      <a:headEnd type="none" w="med" len="med"/>
+                      <a:tailEnd type="none" w="med" len="med"/>
+                    </a:lnR>
+                    <a:lnT w="12700" cap="flat" cmpd="sng" algn="ctr">
+                      <a:solidFill>
+                        <a:schemeClr val="tx1"/>
+                      </a:solidFill>
+                      <a:prstDash val="solid"/>
+                      <a:round/>
+                      <a:headEnd type="none" w="med" len="med"/>
+                      <a:tailEnd type="none" w="med" len="med"/>
+                    </a:lnT>
+                    <a:lnB w="12700" cap="flat" cmpd="sng" algn="ctr">
+                      <a:solidFill>
+                        <a:schemeClr val="tx1"/>
+                      </a:solidFill>
+                      <a:prstDash val="solid"/>
+                      <a:round/>
+                      <a:headEnd type="none" w="med" len="med"/>
+                      <a:tailEnd type="none" w="med" len="med"/>
+                    </a:lnB>
+                    <a:lnTlToBr w="12700" cmpd="sng">
+                      <a:noFill/>
+                      <a:prstDash val="solid"/>
+                    </a:lnTlToBr>
+                    <a:lnBlToTr w="12700" cmpd="sng">
+                      <a:noFill/>
+                      <a:prstDash val="solid"/>
+                    </a:lnBlToTr>
+                  </a:tcPr>
+                </a:tc>
+              </a:tr>
+              <a:tr h="255627">
+                <a:tc rowSpan="3">
+                  <a:txBody>
+                    <a:bodyPr/>
+                    <a:lstStyle/>
+                    <a:p>
+                      <a:pPr marL="0" marR="0" indent="0" algn="l" defTabSz="914400" rtl="0" eaLnBrk="1" fontAlgn="auto" latinLnBrk="1" hangingPunct="1">
+                        <a:lnSpc>
+                          <a:spcPct val="100000"/>
+                        </a:lnSpc>
+                        <a:spcBef>
+                          <a:spcPts val="0"/>
+                        </a:spcBef>
+                        <a:spcAft>
+                          <a:spcPts val="0"/>
+                        </a:spcAft>
+                        <a:buClrTx/>
+                        <a:buSzTx/>
+                        <a:buFontTx/>
+                        <a:buNone/>
+                        <a:tabLst/>
+                        <a:defRPr/>
+                      </a:pPr>
+                      <a:r>
+                        <a:rPr lang="en-US" altLang="ko-KR" sz="1400" dirty="0" smtClean="0"/>
+                        <a:t>2. </a:t>
+                      </a:r>
+                      <a:r>
+                        <a:rPr lang="ko-KR" altLang="en-US" sz="1400" dirty="0" smtClean="0"/>
+                        <a:t>영역</a:t>
+                      </a:r>
+                    </a:p>
+                  </a:txBody>
+                  <a:tcPr>
+                    <a:lnL w="12700" cap="flat" cmpd="sng" algn="ctr">
+                      <a:solidFill>
+                        <a:schemeClr val="tx1"/>
+                      </a:solidFill>
+                      <a:prstDash val="solid"/>
+                      <a:round/>
+                      <a:headEnd type="none" w="med" len="med"/>
+                      <a:tailEnd type="none" w="med" len="med"/>
+                    </a:lnL>
+                    <a:lnR w="12700" cap="flat" cmpd="sng" algn="ctr">
+                      <a:solidFill>
+                        <a:schemeClr val="tx1"/>
+                      </a:solidFill>
+                      <a:prstDash val="solid"/>
+                      <a:round/>
+                      <a:headEnd type="none" w="med" len="med"/>
+                      <a:tailEnd type="none" w="med" len="med"/>
+                    </a:lnR>
+                    <a:lnT w="12700" cap="flat" cmpd="sng" algn="ctr">
+                      <a:solidFill>
+                        <a:schemeClr val="tx1"/>
+                      </a:solidFill>
+                      <a:prstDash val="solid"/>
+                      <a:round/>
+                      <a:headEnd type="none" w="med" len="med"/>
+                      <a:tailEnd type="none" w="med" len="med"/>
+                    </a:lnT>
+                    <a:lnB w="12700" cap="flat" cmpd="sng" algn="ctr">
+                      <a:solidFill>
+                        <a:schemeClr val="tx1"/>
+                      </a:solidFill>
+                      <a:prstDash val="solid"/>
+                      <a:round/>
+                      <a:headEnd type="none" w="med" len="med"/>
+                      <a:tailEnd type="none" w="med" len="med"/>
+                    </a:lnB>
+                    <a:lnTlToBr w="12700" cmpd="sng">
+                      <a:noFill/>
+                      <a:prstDash val="solid"/>
+                    </a:lnTlToBr>
+                    <a:lnBlToTr w="12700" cmpd="sng">
+                      <a:noFill/>
+                      <a:prstDash val="solid"/>
+                    </a:lnBlToTr>
+                  </a:tcPr>
+                </a:tc>
+                <a:tc>
+                  <a:txBody>
+                    <a:bodyPr/>
+                    <a:lstStyle/>
+                    <a:p>
+                      <a:pPr latinLnBrk="1"/>
+                      <a:r>
+                        <a:rPr lang="ko-KR" altLang="en-US" sz="1400" dirty="0" smtClean="0"/>
+                        <a:t>전체</a:t>
+                      </a:r>
+                      <a:r>
+                        <a:rPr lang="en-US" altLang="ko-KR" sz="1400" dirty="0" smtClean="0"/>
+                        <a:t>(</a:t>
+                      </a:r>
+                      <a:r>
+                        <a:rPr lang="ko-KR" altLang="en-US" sz="1400" dirty="0" smtClean="0"/>
+                        <a:t>제목</a:t>
+                      </a:r>
+                      <a:r>
+                        <a:rPr lang="en-US" altLang="ko-KR" sz="1400" dirty="0" smtClean="0"/>
+                        <a:t>+</a:t>
+                      </a:r>
+                      <a:r>
+                        <a:rPr lang="ko-KR" altLang="en-US" sz="1400" dirty="0" smtClean="0"/>
+                        <a:t>본문</a:t>
+                      </a:r>
+                      <a:r>
+                        <a:rPr lang="en-US" altLang="ko-KR" sz="1400" dirty="0" smtClean="0"/>
+                        <a:t>)</a:t>
+                      </a:r>
+                      <a:endParaRPr lang="ko-KR" altLang="en-US" sz="1400" dirty="0"/>
+                    </a:p>
+                  </a:txBody>
+                  <a:tcPr>
+                    <a:lnL w="12700" cap="flat" cmpd="sng" algn="ctr">
+                      <a:solidFill>
+                        <a:schemeClr val="tx1"/>
+                      </a:solidFill>
+                      <a:prstDash val="solid"/>
+                      <a:round/>
+                      <a:headEnd type="none" w="med" len="med"/>
+                      <a:tailEnd type="none" w="med" len="med"/>
+                    </a:lnL>
+                    <a:lnR w="12700" cap="flat" cmpd="sng" algn="ctr">
+                      <a:solidFill>
+                        <a:schemeClr val="tx1"/>
+                      </a:solidFill>
+                      <a:prstDash val="solid"/>
+                      <a:round/>
+                      <a:headEnd type="none" w="med" len="med"/>
+                      <a:tailEnd type="none" w="med" len="med"/>
+                    </a:lnR>
+                    <a:lnT w="12700" cap="flat" cmpd="sng" algn="ctr">
+                      <a:solidFill>
+                        <a:schemeClr val="tx1"/>
+                      </a:solidFill>
+                      <a:prstDash val="solid"/>
+                      <a:round/>
+                      <a:headEnd type="none" w="med" len="med"/>
+                      <a:tailEnd type="none" w="med" len="med"/>
+                    </a:lnT>
+                    <a:lnB w="12700" cap="flat" cmpd="sng" algn="ctr">
+                      <a:solidFill>
+                        <a:schemeClr val="tx1"/>
+                      </a:solidFill>
+                      <a:prstDash val="solid"/>
+                      <a:round/>
+                      <a:headEnd type="none" w="med" len="med"/>
+                      <a:tailEnd type="none" w="med" len="med"/>
+                    </a:lnB>
+                    <a:lnTlToBr w="12700" cmpd="sng">
+                      <a:noFill/>
+                      <a:prstDash val="solid"/>
+                    </a:lnTlToBr>
+                    <a:lnBlToTr w="12700" cmpd="sng">
+                      <a:noFill/>
+                      <a:prstDash val="solid"/>
+                    </a:lnBlToTr>
+                  </a:tcPr>
+                </a:tc>
+                <a:tc>
+                  <a:txBody>
+                    <a:bodyPr/>
+                    <a:lstStyle/>
+                    <a:p>
+                      <a:pPr latinLnBrk="1"/>
+                      <a:r>
+                        <a:rPr lang="en-US" altLang="ko-KR" sz="1400" dirty="0" err="1" smtClean="0"/>
+                        <a:t>Iq</a:t>
+                      </a:r>
+                      <a:r>
+                        <a:rPr lang="en-US" altLang="ko-KR" sz="1400" dirty="0" smtClean="0"/>
+                        <a:t>=</a:t>
+                      </a:r>
+                      <a:r>
+                        <a:rPr lang="en-US" altLang="ko-KR" sz="1400" dirty="0" err="1" smtClean="0"/>
+                        <a:t>post_subject</a:t>
+                      </a:r>
+                      <a:r>
+                        <a:rPr lang="en-US" altLang="ko-KR" sz="1400" dirty="0" smtClean="0"/>
+                        <a:t>:&lt;&lt;query&gt;&gt; || </a:t>
+                      </a:r>
+                      <a:r>
+                        <a:rPr lang="en-US" altLang="ko-KR" sz="1400" dirty="0" err="1" smtClean="0"/>
+                        <a:t>post_text</a:t>
+                      </a:r>
+                      <a:r>
+                        <a:rPr lang="en-US" altLang="ko-KR" sz="1400" dirty="0" smtClean="0"/>
+                        <a:t>:&lt;&lt;query&gt;&gt;</a:t>
+                      </a:r>
+                      <a:endParaRPr lang="ko-KR" altLang="en-US" sz="1400" dirty="0"/>
+                    </a:p>
+                  </a:txBody>
+                  <a:tcPr>
+                    <a:lnL w="12700" cap="flat" cmpd="sng" algn="ctr">
+                      <a:solidFill>
+                        <a:schemeClr val="tx1"/>
+                      </a:solidFill>
+                      <a:prstDash val="solid"/>
+                      <a:round/>
+                      <a:headEnd type="none" w="med" len="med"/>
+                      <a:tailEnd type="none" w="med" len="med"/>
+                    </a:lnL>
+                    <a:lnR w="12700" cap="flat" cmpd="sng" algn="ctr">
+                      <a:solidFill>
+                        <a:schemeClr val="tx1"/>
+                      </a:solidFill>
+                      <a:prstDash val="solid"/>
+                      <a:round/>
+                      <a:headEnd type="none" w="med" len="med"/>
+                      <a:tailEnd type="none" w="med" len="med"/>
+                    </a:lnR>
+                    <a:lnT w="12700" cap="flat" cmpd="sng" algn="ctr">
+                      <a:solidFill>
+                        <a:schemeClr val="tx1"/>
+                      </a:solidFill>
+                      <a:prstDash val="solid"/>
+                      <a:round/>
+                      <a:headEnd type="none" w="med" len="med"/>
+                      <a:tailEnd type="none" w="med" len="med"/>
+                    </a:lnT>
+                    <a:lnB w="12700" cap="flat" cmpd="sng" algn="ctr">
+                      <a:solidFill>
+                        <a:schemeClr val="tx1"/>
+                      </a:solidFill>
+                      <a:prstDash val="solid"/>
+                      <a:round/>
+                      <a:headEnd type="none" w="med" len="med"/>
+                      <a:tailEnd type="none" w="med" len="med"/>
+                    </a:lnB>
+                    <a:lnTlToBr w="12700" cmpd="sng">
+                      <a:noFill/>
+                      <a:prstDash val="solid"/>
+                    </a:lnTlToBr>
+                    <a:lnBlToTr w="12700" cmpd="sng">
+                      <a:noFill/>
+                      <a:prstDash val="solid"/>
+                    </a:lnBlToTr>
+                  </a:tcPr>
+                </a:tc>
+              </a:tr>
+              <a:tr h="255627">
+                <a:tc vMerge="1">
+                  <a:txBody>
+                    <a:bodyPr/>
+                    <a:lstStyle/>
+                    <a:p>
+                      <a:pPr latinLnBrk="1"/>
+                      <a:endParaRPr lang="ko-KR" altLang="en-US" sz="1400" dirty="0"/>
+                    </a:p>
+                  </a:txBody>
+                  <a:tcPr/>
+                </a:tc>
+                <a:tc>
+                  <a:txBody>
+                    <a:bodyPr/>
+                    <a:lstStyle/>
+                    <a:p>
+                      <a:pPr latinLnBrk="1"/>
+                      <a:r>
+                        <a:rPr lang="ko-KR" altLang="en-US" sz="1400" dirty="0" smtClean="0"/>
+                        <a:t>제목</a:t>
+                      </a:r>
+                      <a:endParaRPr lang="ko-KR" altLang="en-US" sz="1400" dirty="0"/>
+                    </a:p>
+                  </a:txBody>
+                  <a:tcPr>
+                    <a:lnL w="12700" cap="flat" cmpd="sng" algn="ctr">
+                      <a:solidFill>
+                        <a:schemeClr val="tx1"/>
+                      </a:solidFill>
+                      <a:prstDash val="solid"/>
+                      <a:round/>
+                      <a:headEnd type="none" w="med" len="med"/>
+                      <a:tailEnd type="none" w="med" len="med"/>
+                    </a:lnL>
+                    <a:lnR w="12700" cap="flat" cmpd="sng" algn="ctr">
+                      <a:solidFill>
+                        <a:schemeClr val="tx1"/>
+                      </a:solidFill>
+                      <a:prstDash val="solid"/>
+                      <a:round/>
+                      <a:headEnd type="none" w="med" len="med"/>
+                      <a:tailEnd type="none" w="med" len="med"/>
+                    </a:lnR>
+                    <a:lnT w="12700" cap="flat" cmpd="sng" algn="ctr">
+                      <a:solidFill>
+                        <a:schemeClr val="tx1"/>
+                      </a:solidFill>
+                      <a:prstDash val="solid"/>
+                      <a:round/>
+                      <a:headEnd type="none" w="med" len="med"/>
+                      <a:tailEnd type="none" w="med" len="med"/>
+                    </a:lnT>
+                    <a:lnB w="12700" cap="flat" cmpd="sng" algn="ctr">
+                      <a:solidFill>
+                        <a:schemeClr val="tx1"/>
+                      </a:solidFill>
+                      <a:prstDash val="solid"/>
+                      <a:round/>
+                      <a:headEnd type="none" w="med" len="med"/>
+                      <a:tailEnd type="none" w="med" len="med"/>
+                    </a:lnB>
+                    <a:lnTlToBr w="12700" cmpd="sng">
+                      <a:noFill/>
+                      <a:prstDash val="solid"/>
+                    </a:lnTlToBr>
+                    <a:lnBlToTr w="12700" cmpd="sng">
+                      <a:noFill/>
+                      <a:prstDash val="solid"/>
+                    </a:lnBlToTr>
+                  </a:tcPr>
+                </a:tc>
+                <a:tc>
+                  <a:txBody>
+                    <a:bodyPr/>
+                    <a:lstStyle/>
+                    <a:p>
+                      <a:pPr latinLnBrk="1"/>
+                      <a:r>
+                        <a:rPr lang="en-US" altLang="ko-KR" sz="1400" dirty="0" smtClean="0"/>
+                        <a:t>q=</a:t>
+                      </a:r>
+                      <a:r>
+                        <a:rPr lang="en-US" altLang="ko-KR" sz="1400" dirty="0" err="1" smtClean="0"/>
+                        <a:t>post_subject</a:t>
+                      </a:r>
+                      <a:r>
+                        <a:rPr lang="en-US" altLang="ko-KR" sz="1400" dirty="0" smtClean="0"/>
+                        <a:t>:&lt;&lt;query&gt;&gt;</a:t>
+                      </a:r>
+                      <a:endParaRPr lang="ko-KR" altLang="en-US" sz="1400" dirty="0"/>
+                    </a:p>
+                  </a:txBody>
+                  <a:tcPr>
+                    <a:lnL w="12700" cap="flat" cmpd="sng" algn="ctr">
+                      <a:solidFill>
+                        <a:schemeClr val="tx1"/>
+                      </a:solidFill>
+                      <a:prstDash val="solid"/>
+                      <a:round/>
+                      <a:headEnd type="none" w="med" len="med"/>
+                      <a:tailEnd type="none" w="med" len="med"/>
+                    </a:lnL>
+                    <a:lnR w="12700" cap="flat" cmpd="sng" algn="ctr">
+                      <a:solidFill>
+                        <a:schemeClr val="tx1"/>
+                      </a:solidFill>
+                      <a:prstDash val="solid"/>
+                      <a:round/>
+                      <a:headEnd type="none" w="med" len="med"/>
+                      <a:tailEnd type="none" w="med" len="med"/>
+                    </a:lnR>
+                    <a:lnT w="12700" cap="flat" cmpd="sng" algn="ctr">
+                      <a:solidFill>
+                        <a:schemeClr val="tx1"/>
+                      </a:solidFill>
+                      <a:prstDash val="solid"/>
+                      <a:round/>
+                      <a:headEnd type="none" w="med" len="med"/>
+                      <a:tailEnd type="none" w="med" len="med"/>
+                    </a:lnT>
+                    <a:lnB w="12700" cap="flat" cmpd="sng" algn="ctr">
+                      <a:solidFill>
+                        <a:schemeClr val="tx1"/>
+                      </a:solidFill>
+                      <a:prstDash val="solid"/>
+                      <a:round/>
+                      <a:headEnd type="none" w="med" len="med"/>
+                      <a:tailEnd type="none" w="med" len="med"/>
+                    </a:lnB>
+                    <a:lnTlToBr w="12700" cmpd="sng">
+                      <a:noFill/>
+                      <a:prstDash val="solid"/>
+                    </a:lnTlToBr>
+                    <a:lnBlToTr w="12700" cmpd="sng">
+                      <a:noFill/>
+                      <a:prstDash val="solid"/>
+                    </a:lnBlToTr>
+                  </a:tcPr>
+                </a:tc>
+              </a:tr>
+              <a:tr h="255627">
+                <a:tc vMerge="1">
+                  <a:txBody>
+                    <a:bodyPr/>
+                    <a:lstStyle/>
+                    <a:p>
+                      <a:pPr latinLnBrk="1"/>
+                      <a:endParaRPr lang="ko-KR" altLang="en-US" sz="1400" dirty="0"/>
+                    </a:p>
+                  </a:txBody>
+                  <a:tcPr/>
+                </a:tc>
+                <a:tc>
+                  <a:txBody>
+                    <a:bodyPr/>
+                    <a:lstStyle/>
+                    <a:p>
+                      <a:pPr latinLnBrk="1"/>
+                      <a:r>
+                        <a:rPr lang="ko-KR" altLang="en-US" sz="1400" dirty="0" smtClean="0"/>
+                        <a:t>본문</a:t>
+                      </a:r>
+                      <a:endParaRPr lang="ko-KR" altLang="en-US" sz="1400" dirty="0"/>
+                    </a:p>
+                  </a:txBody>
+                  <a:tcPr>
+                    <a:lnL w="12700" cap="flat" cmpd="sng" algn="ctr">
+                      <a:solidFill>
+                        <a:schemeClr val="tx1"/>
+                      </a:solidFill>
+                      <a:prstDash val="solid"/>
+                      <a:round/>
+                      <a:headEnd type="none" w="med" len="med"/>
+                      <a:tailEnd type="none" w="med" len="med"/>
+                    </a:lnL>
+                    <a:lnR w="12700" cap="flat" cmpd="sng" algn="ctr">
+                      <a:solidFill>
+                        <a:schemeClr val="tx1"/>
+                      </a:solidFill>
+                      <a:prstDash val="solid"/>
+                      <a:round/>
+                      <a:headEnd type="none" w="med" len="med"/>
+                      <a:tailEnd type="none" w="med" len="med"/>
+                    </a:lnR>
+                    <a:lnT w="12700" cap="flat" cmpd="sng" algn="ctr">
+                      <a:solidFill>
+                        <a:schemeClr val="tx1"/>
+                      </a:solidFill>
+                      <a:prstDash val="solid"/>
+                      <a:round/>
+                      <a:headEnd type="none" w="med" len="med"/>
+                      <a:tailEnd type="none" w="med" len="med"/>
+                    </a:lnT>
+                    <a:lnB w="12700" cap="flat" cmpd="sng" algn="ctr">
+                      <a:solidFill>
+                        <a:schemeClr val="tx1"/>
+                      </a:solidFill>
+                      <a:prstDash val="solid"/>
+                      <a:round/>
+                      <a:headEnd type="none" w="med" len="med"/>
+                      <a:tailEnd type="none" w="med" len="med"/>
+                    </a:lnB>
+                    <a:lnTlToBr w="12700" cmpd="sng">
+                      <a:noFill/>
+                      <a:prstDash val="solid"/>
+                    </a:lnTlToBr>
+                    <a:lnBlToTr w="12700" cmpd="sng">
+                      <a:noFill/>
+                      <a:prstDash val="solid"/>
+                    </a:lnBlToTr>
+                  </a:tcPr>
+                </a:tc>
+                <a:tc>
+                  <a:txBody>
+                    <a:bodyPr/>
+                    <a:lstStyle/>
+                    <a:p>
+                      <a:pPr latinLnBrk="1"/>
+                      <a:r>
+                        <a:rPr lang="en-US" altLang="ko-KR" sz="1400" dirty="0" smtClean="0"/>
+                        <a:t>q=</a:t>
+                      </a:r>
+                      <a:r>
+                        <a:rPr lang="en-US" altLang="ko-KR" sz="1400" dirty="0" err="1" smtClean="0"/>
+                        <a:t>post_text</a:t>
+                      </a:r>
+                      <a:r>
+                        <a:rPr lang="en-US" altLang="ko-KR" sz="1400" dirty="0" smtClean="0"/>
+                        <a:t>:&lt;&lt;query&gt;&gt;</a:t>
+                      </a:r>
+                      <a:endParaRPr lang="ko-KR" altLang="en-US" sz="1400" dirty="0"/>
+                    </a:p>
+                  </a:txBody>
+                  <a:tcPr>
+                    <a:lnL w="12700" cap="flat" cmpd="sng" algn="ctr">
+                      <a:solidFill>
+                        <a:schemeClr val="tx1"/>
+                      </a:solidFill>
+                      <a:prstDash val="solid"/>
+                      <a:round/>
+                      <a:headEnd type="none" w="med" len="med"/>
+                      <a:tailEnd type="none" w="med" len="med"/>
+                    </a:lnL>
+                    <a:lnR w="12700" cap="flat" cmpd="sng" algn="ctr">
+                      <a:solidFill>
+                        <a:schemeClr val="tx1"/>
+                      </a:solidFill>
+                      <a:prstDash val="solid"/>
+                      <a:round/>
+                      <a:headEnd type="none" w="med" len="med"/>
+                      <a:tailEnd type="none" w="med" len="med"/>
+                    </a:lnR>
+                    <a:lnT w="12700" cap="flat" cmpd="sng" algn="ctr">
+                      <a:solidFill>
+                        <a:schemeClr val="tx1"/>
+                      </a:solidFill>
+                      <a:prstDash val="solid"/>
+                      <a:round/>
+                      <a:headEnd type="none" w="med" len="med"/>
+                      <a:tailEnd type="none" w="med" len="med"/>
+                    </a:lnT>
+                    <a:lnB w="12700" cap="flat" cmpd="sng" algn="ctr">
+                      <a:solidFill>
+                        <a:schemeClr val="tx1"/>
+                      </a:solidFill>
+                      <a:prstDash val="solid"/>
+                      <a:round/>
+                      <a:headEnd type="none" w="med" len="med"/>
+                      <a:tailEnd type="none" w="med" len="med"/>
+                    </a:lnB>
+                    <a:lnTlToBr w="12700" cmpd="sng">
+                      <a:noFill/>
+                      <a:prstDash val="solid"/>
+                    </a:lnTlToBr>
+                    <a:lnBlToTr w="12700" cmpd="sng">
+                      <a:noFill/>
+                      <a:prstDash val="solid"/>
+                    </a:lnBlToTr>
+                  </a:tcPr>
+                </a:tc>
+              </a:tr>
+              <a:tr h="255627">
+                <a:tc rowSpan="5">
+                  <a:txBody>
+                    <a:bodyPr/>
+                    <a:lstStyle/>
+                    <a:p>
+                      <a:pPr latinLnBrk="1"/>
+                      <a:r>
+                        <a:rPr lang="en-US" altLang="ko-KR" sz="1400" dirty="0" smtClean="0"/>
+                        <a:t>3. </a:t>
+                      </a:r>
+                      <a:r>
+                        <a:rPr lang="ko-KR" altLang="en-US" sz="1400" dirty="0" smtClean="0"/>
+                        <a:t>기간</a:t>
+                      </a:r>
+                      <a:endParaRPr lang="ko-KR" altLang="en-US" sz="1400" dirty="0"/>
+                    </a:p>
+                  </a:txBody>
+                  <a:tcPr>
+                    <a:lnL w="12700" cap="flat" cmpd="sng" algn="ctr">
+                      <a:solidFill>
+                        <a:schemeClr val="tx1"/>
+                      </a:solidFill>
+                      <a:prstDash val="solid"/>
+                      <a:round/>
+                      <a:headEnd type="none" w="med" len="med"/>
+                      <a:tailEnd type="none" w="med" len="med"/>
+                    </a:lnL>
+                    <a:lnR w="12700" cap="flat" cmpd="sng" algn="ctr">
+                      <a:solidFill>
+                        <a:schemeClr val="tx1"/>
+                      </a:solidFill>
+                      <a:prstDash val="solid"/>
+                      <a:round/>
+                      <a:headEnd type="none" w="med" len="med"/>
+                      <a:tailEnd type="none" w="med" len="med"/>
+                    </a:lnR>
+                    <a:lnT w="12700" cap="flat" cmpd="sng" algn="ctr">
+                      <a:solidFill>
+                        <a:schemeClr val="tx1"/>
+                      </a:solidFill>
+                      <a:prstDash val="solid"/>
+                      <a:round/>
+                      <a:headEnd type="none" w="med" len="med"/>
+                      <a:tailEnd type="none" w="med" len="med"/>
+                    </a:lnT>
+                    <a:lnB w="12700" cap="flat" cmpd="sng" algn="ctr">
+                      <a:solidFill>
+                        <a:schemeClr val="tx1"/>
+                      </a:solidFill>
+                      <a:prstDash val="solid"/>
+                      <a:round/>
+                      <a:headEnd type="none" w="med" len="med"/>
+                      <a:tailEnd type="none" w="med" len="med"/>
+                    </a:lnB>
+                    <a:lnTlToBr w="12700" cmpd="sng">
+                      <a:noFill/>
+                      <a:prstDash val="solid"/>
+                    </a:lnTlToBr>
+                    <a:lnBlToTr w="12700" cmpd="sng">
+                      <a:noFill/>
+                      <a:prstDash val="solid"/>
+                    </a:lnBlToTr>
+                  </a:tcPr>
+                </a:tc>
+                <a:tc>
+                  <a:txBody>
+                    <a:bodyPr/>
+                    <a:lstStyle/>
+                    <a:p>
+                      <a:pPr latinLnBrk="1"/>
+                      <a:r>
+                        <a:rPr lang="en-US" altLang="ko-KR" sz="1400" dirty="0" smtClean="0"/>
+                        <a:t>1</a:t>
+                      </a:r>
+                      <a:r>
+                        <a:rPr lang="ko-KR" altLang="en-US" sz="1400" dirty="0" smtClean="0"/>
+                        <a:t>일</a:t>
+                      </a:r>
+                      <a:endParaRPr lang="ko-KR" altLang="en-US" sz="1400" dirty="0"/>
+                    </a:p>
+                  </a:txBody>
+                  <a:tcPr>
+                    <a:lnL w="12700" cap="flat" cmpd="sng" algn="ctr">
+                      <a:solidFill>
+                        <a:schemeClr val="tx1"/>
+                      </a:solidFill>
+                      <a:prstDash val="solid"/>
+                      <a:round/>
+                      <a:headEnd type="none" w="med" len="med"/>
+                      <a:tailEnd type="none" w="med" len="med"/>
+                    </a:lnL>
+                    <a:lnR w="12700" cap="flat" cmpd="sng" algn="ctr">
+                      <a:solidFill>
+                        <a:schemeClr val="tx1"/>
+                      </a:solidFill>
+                      <a:prstDash val="solid"/>
+                      <a:round/>
+                      <a:headEnd type="none" w="med" len="med"/>
+                      <a:tailEnd type="none" w="med" len="med"/>
+                    </a:lnR>
+                    <a:lnT w="12700" cap="flat" cmpd="sng" algn="ctr">
+                      <a:solidFill>
+                        <a:schemeClr val="tx1"/>
+                      </a:solidFill>
+                      <a:prstDash val="solid"/>
+                      <a:round/>
+                      <a:headEnd type="none" w="med" len="med"/>
+                      <a:tailEnd type="none" w="med" len="med"/>
+                    </a:lnT>
+                    <a:lnB w="12700" cap="flat" cmpd="sng" algn="ctr">
+                      <a:solidFill>
+                        <a:schemeClr val="tx1"/>
+                      </a:solidFill>
+                      <a:prstDash val="solid"/>
+                      <a:round/>
+                      <a:headEnd type="none" w="med" len="med"/>
+                      <a:tailEnd type="none" w="med" len="med"/>
+                    </a:lnB>
+                    <a:lnTlToBr w="12700" cmpd="sng">
+                      <a:noFill/>
+                      <a:prstDash val="solid"/>
+                    </a:lnTlToBr>
+                    <a:lnBlToTr w="12700" cmpd="sng">
+                      <a:noFill/>
+                      <a:prstDash val="solid"/>
+                    </a:lnBlToTr>
+                  </a:tcPr>
+                </a:tc>
+                <a:tc>
+                  <a:txBody>
+                    <a:bodyPr/>
+                    <a:lstStyle/>
+                    <a:p>
+                      <a:pPr latinLnBrk="1"/>
+                      <a:r>
+                        <a:rPr lang="en-US" altLang="ko-KR" sz="1400" dirty="0" smtClean="0"/>
+                        <a:t>q=</a:t>
+                      </a:r>
+                      <a:r>
+                        <a:rPr lang="en-US" altLang="ko-KR" sz="1400" dirty="0" err="1" smtClean="0"/>
+                        <a:t>post_time</a:t>
+                      </a:r>
+                      <a:r>
+                        <a:rPr lang="en-US" altLang="ko-KR" sz="1400" baseline="0" dirty="0" smtClean="0"/>
+                        <a:t> [&lt;&lt;</a:t>
+                      </a:r>
+                      <a:r>
+                        <a:rPr lang="ko-KR" altLang="en-US" sz="1400" baseline="0" dirty="0" err="1" smtClean="0"/>
+                        <a:t>하루전</a:t>
+                      </a:r>
+                      <a:r>
+                        <a:rPr lang="en-US" altLang="ko-KR" sz="1400" baseline="0" dirty="0" err="1" smtClean="0"/>
+                        <a:t>Tmestamp</a:t>
+                      </a:r>
+                      <a:r>
+                        <a:rPr lang="en-US" altLang="ko-KR" sz="1400" baseline="0" dirty="0" smtClean="0"/>
+                        <a:t>&gt;&gt; TO &lt;&lt;</a:t>
+                      </a:r>
+                      <a:r>
+                        <a:rPr lang="ko-KR" altLang="en-US" sz="1400" baseline="0" dirty="0" smtClean="0"/>
+                        <a:t>현재</a:t>
+                      </a:r>
+                      <a:r>
+                        <a:rPr lang="en-US" altLang="ko-KR" sz="1400" baseline="0" dirty="0" smtClean="0"/>
+                        <a:t>Timestamp&gt;&gt; ]</a:t>
+                      </a:r>
+                      <a:endParaRPr lang="ko-KR" altLang="en-US" sz="1400" dirty="0"/>
+                    </a:p>
+                  </a:txBody>
+                  <a:tcPr>
+                    <a:lnL w="12700" cap="flat" cmpd="sng" algn="ctr">
+                      <a:solidFill>
+                        <a:schemeClr val="tx1"/>
+                      </a:solidFill>
+                      <a:prstDash val="solid"/>
+                      <a:round/>
+                      <a:headEnd type="none" w="med" len="med"/>
+                      <a:tailEnd type="none" w="med" len="med"/>
+                    </a:lnL>
+                    <a:lnR w="12700" cap="flat" cmpd="sng" algn="ctr">
+                      <a:solidFill>
+                        <a:schemeClr val="tx1"/>
+                      </a:solidFill>
+                      <a:prstDash val="solid"/>
+                      <a:round/>
+                      <a:headEnd type="none" w="med" len="med"/>
+                      <a:tailEnd type="none" w="med" len="med"/>
+                    </a:lnR>
+                    <a:lnT w="12700" cap="flat" cmpd="sng" algn="ctr">
+                      <a:solidFill>
+                        <a:schemeClr val="tx1"/>
+                      </a:solidFill>
+                      <a:prstDash val="solid"/>
+                      <a:round/>
+                      <a:headEnd type="none" w="med" len="med"/>
+                      <a:tailEnd type="none" w="med" len="med"/>
+                    </a:lnT>
+                    <a:lnB w="12700" cap="flat" cmpd="sng" algn="ctr">
+                      <a:solidFill>
+                        <a:schemeClr val="tx1"/>
+                      </a:solidFill>
+                      <a:prstDash val="solid"/>
+                      <a:round/>
+                      <a:headEnd type="none" w="med" len="med"/>
+                      <a:tailEnd type="none" w="med" len="med"/>
+                    </a:lnB>
+                    <a:lnTlToBr w="12700" cmpd="sng">
+                      <a:noFill/>
+                      <a:prstDash val="solid"/>
+                    </a:lnTlToBr>
+                    <a:lnBlToTr w="12700" cmpd="sng">
+                      <a:noFill/>
+                      <a:prstDash val="solid"/>
+                    </a:lnBlToTr>
+                  </a:tcPr>
+                </a:tc>
+              </a:tr>
+              <a:tr h="255627">
+                <a:tc vMerge="1">
+                  <a:txBody>
+                    <a:bodyPr/>
+                    <a:lstStyle/>
+                    <a:p>
+                      <a:pPr latinLnBrk="1"/>
+                      <a:endParaRPr lang="ko-KR" altLang="en-US" sz="1400" dirty="0"/>
+                    </a:p>
+                  </a:txBody>
+                  <a:tcPr/>
+                </a:tc>
+                <a:tc>
+                  <a:txBody>
+                    <a:bodyPr/>
+                    <a:lstStyle/>
+                    <a:p>
+                      <a:pPr latinLnBrk="1"/>
+                      <a:r>
+                        <a:rPr lang="en-US" altLang="ko-KR" sz="1400" dirty="0" smtClean="0"/>
+                        <a:t>1</a:t>
+                      </a:r>
+                      <a:r>
+                        <a:rPr lang="ko-KR" altLang="en-US" sz="1400" dirty="0" smtClean="0"/>
+                        <a:t>주</a:t>
+                      </a:r>
+                      <a:endParaRPr lang="ko-KR" altLang="en-US" sz="1400" dirty="0"/>
+                    </a:p>
+                  </a:txBody>
+                  <a:tcPr>
+                    <a:lnL w="12700" cap="flat" cmpd="sng" algn="ctr">
+                      <a:solidFill>
+                        <a:schemeClr val="tx1"/>
+                      </a:solidFill>
+                      <a:prstDash val="solid"/>
+                      <a:round/>
+                      <a:headEnd type="none" w="med" len="med"/>
+                      <a:tailEnd type="none" w="med" len="med"/>
+                    </a:lnL>
+                    <a:lnR w="12700" cap="flat" cmpd="sng" algn="ctr">
+                      <a:solidFill>
+                        <a:schemeClr val="tx1"/>
+                      </a:solidFill>
+                      <a:prstDash val="solid"/>
+                      <a:round/>
+                      <a:headEnd type="none" w="med" len="med"/>
+                      <a:tailEnd type="none" w="med" len="med"/>
+                    </a:lnR>
+                    <a:lnT w="12700" cap="flat" cmpd="sng" algn="ctr">
+                      <a:solidFill>
+                        <a:schemeClr val="tx1"/>
+                      </a:solidFill>
+                      <a:prstDash val="solid"/>
+                      <a:round/>
+                      <a:headEnd type="none" w="med" len="med"/>
+                      <a:tailEnd type="none" w="med" len="med"/>
+                    </a:lnT>
+                    <a:lnB w="12700" cap="flat" cmpd="sng" algn="ctr">
+                      <a:solidFill>
+                        <a:schemeClr val="tx1"/>
+                      </a:solidFill>
+                      <a:prstDash val="solid"/>
+                      <a:round/>
+                      <a:headEnd type="none" w="med" len="med"/>
+                      <a:tailEnd type="none" w="med" len="med"/>
+                    </a:lnB>
+                    <a:lnTlToBr w="12700" cmpd="sng">
+                      <a:noFill/>
+                      <a:prstDash val="solid"/>
+                    </a:lnTlToBr>
+                    <a:lnBlToTr w="12700" cmpd="sng">
+                      <a:noFill/>
+                      <a:prstDash val="solid"/>
+                    </a:lnBlToTr>
+                  </a:tcPr>
+                </a:tc>
+                <a:tc>
+                  <a:txBody>
+                    <a:bodyPr/>
+                    <a:lstStyle/>
+                    <a:p>
+                      <a:pPr marL="0" marR="0" indent="0" algn="l" defTabSz="914400" rtl="0" eaLnBrk="1" fontAlgn="auto" latinLnBrk="1" hangingPunct="1">
+                        <a:lnSpc>
+                          <a:spcPct val="100000"/>
+                        </a:lnSpc>
+                        <a:spcBef>
+                          <a:spcPts val="0"/>
+                        </a:spcBef>
+                        <a:spcAft>
+                          <a:spcPts val="0"/>
+                        </a:spcAft>
+                        <a:buClrTx/>
+                        <a:buSzTx/>
+                        <a:buFontTx/>
+                        <a:buNone/>
+                        <a:tabLst/>
+                        <a:defRPr/>
+                      </a:pPr>
+                      <a:r>
+                        <a:rPr lang="en-US" altLang="ko-KR" sz="1400" dirty="0" smtClean="0"/>
+                        <a:t>q=</a:t>
+                      </a:r>
+                      <a:r>
+                        <a:rPr lang="en-US" altLang="ko-KR" sz="1400" dirty="0" err="1" smtClean="0"/>
+                        <a:t>post_time</a:t>
+                      </a:r>
+                      <a:r>
+                        <a:rPr lang="en-US" altLang="ko-KR" sz="1400" baseline="0" dirty="0" smtClean="0"/>
+                        <a:t> [&lt;&lt;1</a:t>
+                      </a:r>
+                      <a:r>
+                        <a:rPr lang="ko-KR" altLang="en-US" sz="1400" baseline="0" dirty="0" err="1" smtClean="0"/>
+                        <a:t>주일전</a:t>
+                      </a:r>
+                      <a:r>
+                        <a:rPr lang="en-US" altLang="ko-KR" sz="1400" baseline="0" dirty="0" err="1" smtClean="0"/>
+                        <a:t>Tmestamp</a:t>
+                      </a:r>
+                      <a:r>
+                        <a:rPr lang="en-US" altLang="ko-KR" sz="1400" baseline="0" dirty="0" smtClean="0"/>
+                        <a:t>&gt;&gt; TO &lt;&lt;</a:t>
+                      </a:r>
+                      <a:r>
+                        <a:rPr lang="ko-KR" altLang="en-US" sz="1400" baseline="0" dirty="0" smtClean="0"/>
+                        <a:t>현재</a:t>
+                      </a:r>
+                      <a:r>
+                        <a:rPr lang="en-US" altLang="ko-KR" sz="1400" baseline="0" dirty="0" smtClean="0"/>
+                        <a:t>Timestamp&gt;&gt; ]</a:t>
+                      </a:r>
+                      <a:endParaRPr lang="ko-KR" altLang="en-US" sz="1400" dirty="0" smtClean="0"/>
+                    </a:p>
+                  </a:txBody>
+                  <a:tcPr>
+                    <a:lnL w="12700" cap="flat" cmpd="sng" algn="ctr">
+                      <a:solidFill>
+                        <a:schemeClr val="tx1"/>
+                      </a:solidFill>
+                      <a:prstDash val="solid"/>
+                      <a:round/>
+                      <a:headEnd type="none" w="med" len="med"/>
+                      <a:tailEnd type="none" w="med" len="med"/>
+                    </a:lnL>
+                    <a:lnR w="12700" cap="flat" cmpd="sng" algn="ctr">
+                      <a:solidFill>
+                        <a:schemeClr val="tx1"/>
+                      </a:solidFill>
+                      <a:prstDash val="solid"/>
+                      <a:round/>
+                      <a:headEnd type="none" w="med" len="med"/>
+                      <a:tailEnd type="none" w="med" len="med"/>
+                    </a:lnR>
+                    <a:lnT w="12700" cap="flat" cmpd="sng" algn="ctr">
+                      <a:solidFill>
+                        <a:schemeClr val="tx1"/>
+                      </a:solidFill>
+                      <a:prstDash val="solid"/>
+                      <a:round/>
+                      <a:headEnd type="none" w="med" len="med"/>
+                      <a:tailEnd type="none" w="med" len="med"/>
+                    </a:lnT>
+                    <a:lnB w="12700" cap="flat" cmpd="sng" algn="ctr">
+                      <a:solidFill>
+                        <a:schemeClr val="tx1"/>
+                      </a:solidFill>
+                      <a:prstDash val="solid"/>
+                      <a:round/>
+                      <a:headEnd type="none" w="med" len="med"/>
+                      <a:tailEnd type="none" w="med" len="med"/>
+                    </a:lnB>
+                    <a:lnTlToBr w="12700" cmpd="sng">
+                      <a:noFill/>
+                      <a:prstDash val="solid"/>
+                    </a:lnTlToBr>
+                    <a:lnBlToTr w="12700" cmpd="sng">
+                      <a:noFill/>
+                      <a:prstDash val="solid"/>
+                    </a:lnBlToTr>
+                  </a:tcPr>
+                </a:tc>
+              </a:tr>
+              <a:tr h="255627">
+                <a:tc vMerge="1">
+                  <a:txBody>
+                    <a:bodyPr/>
+                    <a:lstStyle/>
+                    <a:p>
+                      <a:pPr latinLnBrk="1"/>
+                      <a:endParaRPr lang="ko-KR" altLang="en-US" sz="1400" dirty="0"/>
+                    </a:p>
+                  </a:txBody>
+                  <a:tcPr/>
+                </a:tc>
+                <a:tc>
+                  <a:txBody>
+                    <a:bodyPr/>
+                    <a:lstStyle/>
+                    <a:p>
+                      <a:pPr latinLnBrk="1"/>
+                      <a:r>
+                        <a:rPr lang="en-US" altLang="ko-KR" sz="1400" dirty="0" smtClean="0"/>
+                        <a:t>1</a:t>
+                      </a:r>
+                      <a:r>
+                        <a:rPr lang="ko-KR" altLang="en-US" sz="1400" dirty="0" smtClean="0"/>
+                        <a:t>개월</a:t>
+                      </a:r>
+                      <a:endParaRPr lang="ko-KR" altLang="en-US" sz="1400" dirty="0"/>
+                    </a:p>
+                  </a:txBody>
+                  <a:tcPr>
+                    <a:lnL w="12700" cap="flat" cmpd="sng" algn="ctr">
+                      <a:solidFill>
+                        <a:schemeClr val="tx1"/>
+                      </a:solidFill>
+                      <a:prstDash val="solid"/>
+                      <a:round/>
+                      <a:headEnd type="none" w="med" len="med"/>
+                      <a:tailEnd type="none" w="med" len="med"/>
+                    </a:lnL>
+                    <a:lnR w="12700" cap="flat" cmpd="sng" algn="ctr">
+                      <a:solidFill>
+                        <a:schemeClr val="tx1"/>
+                      </a:solidFill>
+                      <a:prstDash val="solid"/>
+                      <a:round/>
+                      <a:headEnd type="none" w="med" len="med"/>
+                      <a:tailEnd type="none" w="med" len="med"/>
+                    </a:lnR>
+                    <a:lnT w="12700" cap="flat" cmpd="sng" algn="ctr">
+                      <a:solidFill>
+                        <a:schemeClr val="tx1"/>
+                      </a:solidFill>
+                      <a:prstDash val="solid"/>
+                      <a:round/>
+                      <a:headEnd type="none" w="med" len="med"/>
+                      <a:tailEnd type="none" w="med" len="med"/>
+                    </a:lnT>
+                    <a:lnB w="12700" cap="flat" cmpd="sng" algn="ctr">
+                      <a:solidFill>
+                        <a:schemeClr val="tx1"/>
+                      </a:solidFill>
+                      <a:prstDash val="solid"/>
+                      <a:round/>
+                      <a:headEnd type="none" w="med" len="med"/>
+                      <a:tailEnd type="none" w="med" len="med"/>
+                    </a:lnB>
+                    <a:lnTlToBr w="12700" cmpd="sng">
+                      <a:noFill/>
+                      <a:prstDash val="solid"/>
+                    </a:lnTlToBr>
+                    <a:lnBlToTr w="12700" cmpd="sng">
+                      <a:noFill/>
+                      <a:prstDash val="solid"/>
+                    </a:lnBlToTr>
+                  </a:tcPr>
+                </a:tc>
+                <a:tc>
+                  <a:txBody>
+                    <a:bodyPr/>
+                    <a:lstStyle/>
+                    <a:p>
+                      <a:pPr marL="0" marR="0" indent="0" algn="l" defTabSz="914400" rtl="0" eaLnBrk="1" fontAlgn="auto" latinLnBrk="1" hangingPunct="1">
+                        <a:lnSpc>
+                          <a:spcPct val="100000"/>
+                        </a:lnSpc>
+                        <a:spcBef>
+                          <a:spcPts val="0"/>
+                        </a:spcBef>
+                        <a:spcAft>
+                          <a:spcPts val="0"/>
+                        </a:spcAft>
+                        <a:buClrTx/>
+                        <a:buSzTx/>
+                        <a:buFontTx/>
+                        <a:buNone/>
+                        <a:tabLst/>
+                        <a:defRPr/>
+                      </a:pPr>
+                      <a:r>
+                        <a:rPr lang="en-US" altLang="ko-KR" sz="1400" dirty="0" smtClean="0"/>
+                        <a:t>q=</a:t>
+                      </a:r>
+                      <a:r>
+                        <a:rPr lang="en-US" altLang="ko-KR" sz="1400" dirty="0" err="1" smtClean="0"/>
+                        <a:t>post_time</a:t>
+                      </a:r>
+                      <a:r>
+                        <a:rPr lang="en-US" altLang="ko-KR" sz="1400" baseline="0" dirty="0" smtClean="0"/>
+                        <a:t> [&lt;&lt;1</a:t>
+                      </a:r>
+                      <a:r>
+                        <a:rPr lang="ko-KR" altLang="en-US" sz="1400" baseline="0" dirty="0" err="1" smtClean="0"/>
+                        <a:t>개월전</a:t>
+                      </a:r>
+                      <a:r>
+                        <a:rPr lang="en-US" altLang="ko-KR" sz="1400" baseline="0" dirty="0" err="1" smtClean="0"/>
+                        <a:t>Tmestamp</a:t>
+                      </a:r>
+                      <a:r>
+                        <a:rPr lang="en-US" altLang="ko-KR" sz="1400" baseline="0" dirty="0" smtClean="0"/>
+                        <a:t>&gt;&gt; TO &lt;&lt;</a:t>
+                      </a:r>
+                      <a:r>
+                        <a:rPr lang="ko-KR" altLang="en-US" sz="1400" baseline="0" dirty="0" smtClean="0"/>
+                        <a:t>현재</a:t>
+                      </a:r>
+                      <a:r>
+                        <a:rPr lang="en-US" altLang="ko-KR" sz="1400" baseline="0" dirty="0" smtClean="0"/>
+                        <a:t>Timestamp&gt;&gt; ]</a:t>
+                      </a:r>
+                      <a:endParaRPr lang="ko-KR" altLang="en-US" sz="1400" dirty="0" smtClean="0"/>
+                    </a:p>
+                  </a:txBody>
+                  <a:tcPr>
+                    <a:lnL w="12700" cap="flat" cmpd="sng" algn="ctr">
+                      <a:solidFill>
+                        <a:schemeClr val="tx1"/>
+                      </a:solidFill>
+                      <a:prstDash val="solid"/>
+                      <a:round/>
+                      <a:headEnd type="none" w="med" len="med"/>
+                      <a:tailEnd type="none" w="med" len="med"/>
+                    </a:lnL>
+                    <a:lnR w="12700" cap="flat" cmpd="sng" algn="ctr">
+                      <a:solidFill>
+                        <a:schemeClr val="tx1"/>
+                      </a:solidFill>
+                      <a:prstDash val="solid"/>
+                      <a:round/>
+                      <a:headEnd type="none" w="med" len="med"/>
+                      <a:tailEnd type="none" w="med" len="med"/>
+                    </a:lnR>
+                    <a:lnT w="12700" cap="flat" cmpd="sng" algn="ctr">
+                      <a:solidFill>
+                        <a:schemeClr val="tx1"/>
+                      </a:solidFill>
+                      <a:prstDash val="solid"/>
+                      <a:round/>
+                      <a:headEnd type="none" w="med" len="med"/>
+                      <a:tailEnd type="none" w="med" len="med"/>
+                    </a:lnT>
+                    <a:lnB w="12700" cap="flat" cmpd="sng" algn="ctr">
+                      <a:solidFill>
+                        <a:schemeClr val="tx1"/>
+                      </a:solidFill>
+                      <a:prstDash val="solid"/>
+                      <a:round/>
+                      <a:headEnd type="none" w="med" len="med"/>
+                      <a:tailEnd type="none" w="med" len="med"/>
+                    </a:lnB>
+                    <a:lnTlToBr w="12700" cmpd="sng">
+                      <a:noFill/>
+                      <a:prstDash val="solid"/>
+                    </a:lnTlToBr>
+                    <a:lnBlToTr w="12700" cmpd="sng">
+                      <a:noFill/>
+                      <a:prstDash val="solid"/>
+                    </a:lnBlToTr>
+                  </a:tcPr>
+                </a:tc>
+              </a:tr>
+              <a:tr h="255627">
+                <a:tc vMerge="1">
+                  <a:txBody>
+                    <a:bodyPr/>
+                    <a:lstStyle/>
+                    <a:p>
+                      <a:pPr latinLnBrk="1"/>
+                      <a:endParaRPr lang="ko-KR" altLang="en-US" sz="1400" dirty="0"/>
+                    </a:p>
+                  </a:txBody>
+                  <a:tcPr/>
+                </a:tc>
+                <a:tc>
+                  <a:txBody>
+                    <a:bodyPr/>
+                    <a:lstStyle/>
+                    <a:p>
+                      <a:pPr latinLnBrk="1"/>
+                      <a:r>
+                        <a:rPr lang="en-US" altLang="ko-KR" sz="1400" dirty="0" smtClean="0"/>
+                        <a:t>1</a:t>
+                      </a:r>
+                      <a:r>
+                        <a:rPr lang="ko-KR" altLang="en-US" sz="1400" dirty="0" smtClean="0"/>
+                        <a:t>년</a:t>
+                      </a:r>
+                      <a:endParaRPr lang="ko-KR" altLang="en-US" sz="1400" dirty="0"/>
+                    </a:p>
+                  </a:txBody>
+                  <a:tcPr>
+                    <a:lnL w="12700" cap="flat" cmpd="sng" algn="ctr">
+                      <a:solidFill>
+                        <a:schemeClr val="tx1"/>
+                      </a:solidFill>
+                      <a:prstDash val="solid"/>
+                      <a:round/>
+                      <a:headEnd type="none" w="med" len="med"/>
+                      <a:tailEnd type="none" w="med" len="med"/>
+                    </a:lnL>
+                    <a:lnR w="12700" cap="flat" cmpd="sng" algn="ctr">
+                      <a:solidFill>
+                        <a:schemeClr val="tx1"/>
+                      </a:solidFill>
+                      <a:prstDash val="solid"/>
+                      <a:round/>
+                      <a:headEnd type="none" w="med" len="med"/>
+                      <a:tailEnd type="none" w="med" len="med"/>
+                    </a:lnR>
+                    <a:lnT w="12700" cap="flat" cmpd="sng" algn="ctr">
+                      <a:solidFill>
+                        <a:schemeClr val="tx1"/>
+                      </a:solidFill>
+                      <a:prstDash val="solid"/>
+                      <a:round/>
+                      <a:headEnd type="none" w="med" len="med"/>
+                      <a:tailEnd type="none" w="med" len="med"/>
+                    </a:lnT>
+                    <a:lnB w="12700" cap="flat" cmpd="sng" algn="ctr">
+                      <a:solidFill>
+                        <a:schemeClr val="tx1"/>
+                      </a:solidFill>
+                      <a:prstDash val="solid"/>
+                      <a:round/>
+                      <a:headEnd type="none" w="med" len="med"/>
+                      <a:tailEnd type="none" w="med" len="med"/>
+                    </a:lnB>
+                    <a:lnTlToBr w="12700" cmpd="sng">
+                      <a:noFill/>
+                      <a:prstDash val="solid"/>
+                    </a:lnTlToBr>
+                    <a:lnBlToTr w="12700" cmpd="sng">
+                      <a:noFill/>
+                      <a:prstDash val="solid"/>
+                    </a:lnBlToTr>
+                  </a:tcPr>
+                </a:tc>
+                <a:tc>
+                  <a:txBody>
+                    <a:bodyPr/>
+                    <a:lstStyle/>
+                    <a:p>
+                      <a:pPr marL="0" marR="0" indent="0" algn="l" defTabSz="914400" rtl="0" eaLnBrk="1" fontAlgn="auto" latinLnBrk="1" hangingPunct="1">
+                        <a:lnSpc>
+                          <a:spcPct val="100000"/>
+                        </a:lnSpc>
+                        <a:spcBef>
+                          <a:spcPts val="0"/>
+                        </a:spcBef>
+                        <a:spcAft>
+                          <a:spcPts val="0"/>
+                        </a:spcAft>
+                        <a:buClrTx/>
+                        <a:buSzTx/>
+                        <a:buFontTx/>
+                        <a:buNone/>
+                        <a:tabLst/>
+                        <a:defRPr/>
+                      </a:pPr>
+                      <a:r>
+                        <a:rPr lang="en-US" altLang="ko-KR" sz="1400" dirty="0" smtClean="0"/>
+                        <a:t>q=</a:t>
+                      </a:r>
+                      <a:r>
+                        <a:rPr lang="en-US" altLang="ko-KR" sz="1400" dirty="0" err="1" smtClean="0"/>
+                        <a:t>post_time</a:t>
+                      </a:r>
+                      <a:r>
+                        <a:rPr lang="en-US" altLang="ko-KR" sz="1400" baseline="0" dirty="0" smtClean="0"/>
+                        <a:t> [&lt;&lt;1</a:t>
+                      </a:r>
+                      <a:r>
+                        <a:rPr lang="ko-KR" altLang="en-US" sz="1400" baseline="0" dirty="0" err="1" smtClean="0"/>
+                        <a:t>년전</a:t>
+                      </a:r>
+                      <a:r>
+                        <a:rPr lang="en-US" altLang="ko-KR" sz="1400" baseline="0" dirty="0" err="1" smtClean="0"/>
+                        <a:t>Tmestamp</a:t>
+                      </a:r>
+                      <a:r>
+                        <a:rPr lang="en-US" altLang="ko-KR" sz="1400" baseline="0" dirty="0" smtClean="0"/>
+                        <a:t>&gt;&gt; TO &lt;&lt;</a:t>
+                      </a:r>
+                      <a:r>
+                        <a:rPr lang="ko-KR" altLang="en-US" sz="1400" baseline="0" dirty="0" smtClean="0"/>
+                        <a:t>현재</a:t>
+                      </a:r>
+                      <a:r>
+                        <a:rPr lang="en-US" altLang="ko-KR" sz="1400" baseline="0" dirty="0" smtClean="0"/>
+                        <a:t>Timestamp&gt;&gt; ]</a:t>
+                      </a:r>
+                      <a:endParaRPr lang="ko-KR" altLang="en-US" sz="1400" dirty="0" smtClean="0"/>
+                    </a:p>
+                  </a:txBody>
+                  <a:tcPr>
+                    <a:lnL w="12700" cap="flat" cmpd="sng" algn="ctr">
+                      <a:solidFill>
+                        <a:schemeClr val="tx1"/>
+                      </a:solidFill>
+                      <a:prstDash val="solid"/>
+                      <a:round/>
+                      <a:headEnd type="none" w="med" len="med"/>
+                      <a:tailEnd type="none" w="med" len="med"/>
+                    </a:lnL>
+                    <a:lnR w="12700" cap="flat" cmpd="sng" algn="ctr">
+                      <a:solidFill>
+                        <a:schemeClr val="tx1"/>
+                      </a:solidFill>
+                      <a:prstDash val="solid"/>
+                      <a:round/>
+                      <a:headEnd type="none" w="med" len="med"/>
+                      <a:tailEnd type="none" w="med" len="med"/>
+                    </a:lnR>
+                    <a:lnT w="12700" cap="flat" cmpd="sng" algn="ctr">
+                      <a:solidFill>
+                        <a:schemeClr val="tx1"/>
+                      </a:solidFill>
+                      <a:prstDash val="solid"/>
+                      <a:round/>
+                      <a:headEnd type="none" w="med" len="med"/>
+                      <a:tailEnd type="none" w="med" len="med"/>
+                    </a:lnT>
+                    <a:lnB w="12700" cap="flat" cmpd="sng" algn="ctr">
+                      <a:solidFill>
+                        <a:schemeClr val="tx1"/>
+                      </a:solidFill>
+                      <a:prstDash val="solid"/>
+                      <a:round/>
+                      <a:headEnd type="none" w="med" len="med"/>
+                      <a:tailEnd type="none" w="med" len="med"/>
+                    </a:lnB>
+                    <a:lnTlToBr w="12700" cmpd="sng">
+                      <a:noFill/>
+                      <a:prstDash val="solid"/>
+                    </a:lnTlToBr>
+                    <a:lnBlToTr w="12700" cmpd="sng">
+                      <a:noFill/>
+                      <a:prstDash val="solid"/>
+                    </a:lnBlToTr>
+                  </a:tcPr>
+                </a:tc>
+              </a:tr>
+              <a:tr h="255627">
+                <a:tc vMerge="1">
+                  <a:txBody>
+                    <a:bodyPr/>
+                    <a:lstStyle/>
+                    <a:p>
+                      <a:pPr latinLnBrk="1"/>
+                      <a:endParaRPr lang="ko-KR" altLang="en-US" sz="1400" dirty="0"/>
+                    </a:p>
+                  </a:txBody>
+                  <a:tcPr/>
+                </a:tc>
+                <a:tc>
+                  <a:txBody>
+                    <a:bodyPr/>
+                    <a:lstStyle/>
+                    <a:p>
+                      <a:pPr latinLnBrk="1"/>
+                      <a:r>
+                        <a:rPr lang="ko-KR" altLang="en-US" sz="1400" dirty="0" smtClean="0"/>
+                        <a:t>기간 입력</a:t>
+                      </a:r>
+                      <a:endParaRPr lang="ko-KR" altLang="en-US" sz="1400" dirty="0"/>
+                    </a:p>
+                  </a:txBody>
+                  <a:tcPr>
+                    <a:lnL w="12700" cap="flat" cmpd="sng" algn="ctr">
+                      <a:solidFill>
+                        <a:schemeClr val="tx1"/>
+                      </a:solidFill>
+                      <a:prstDash val="solid"/>
+                      <a:round/>
+                      <a:headEnd type="none" w="med" len="med"/>
+                      <a:tailEnd type="none" w="med" len="med"/>
+                    </a:lnL>
+                    <a:lnR w="12700" cap="flat" cmpd="sng" algn="ctr">
+                      <a:solidFill>
+                        <a:schemeClr val="tx1"/>
+                      </a:solidFill>
+                      <a:prstDash val="solid"/>
+                      <a:round/>
+                      <a:headEnd type="none" w="med" len="med"/>
+                      <a:tailEnd type="none" w="med" len="med"/>
+                    </a:lnR>
+                    <a:lnT w="12700" cap="flat" cmpd="sng" algn="ctr">
+                      <a:solidFill>
+                        <a:schemeClr val="tx1"/>
+                      </a:solidFill>
+                      <a:prstDash val="solid"/>
+                      <a:round/>
+                      <a:headEnd type="none" w="med" len="med"/>
+                      <a:tailEnd type="none" w="med" len="med"/>
+                    </a:lnT>
+                    <a:lnB w="12700" cap="flat" cmpd="sng" algn="ctr">
+                      <a:solidFill>
+                        <a:schemeClr val="tx1"/>
+                      </a:solidFill>
+                      <a:prstDash val="solid"/>
+                      <a:round/>
+                      <a:headEnd type="none" w="med" len="med"/>
+                      <a:tailEnd type="none" w="med" len="med"/>
+                    </a:lnB>
+                    <a:lnTlToBr w="12700" cmpd="sng">
+                      <a:noFill/>
+                      <a:prstDash val="solid"/>
+                    </a:lnTlToBr>
+                    <a:lnBlToTr w="12700" cmpd="sng">
+                      <a:noFill/>
+                      <a:prstDash val="solid"/>
+                    </a:lnBlToTr>
+                  </a:tcPr>
+                </a:tc>
+                <a:tc>
+                  <a:txBody>
+                    <a:bodyPr/>
+                    <a:lstStyle/>
+                    <a:p>
+                      <a:pPr marL="0" marR="0" indent="0" algn="l" defTabSz="914400" rtl="0" eaLnBrk="1" fontAlgn="auto" latinLnBrk="1" hangingPunct="1">
+                        <a:lnSpc>
+                          <a:spcPct val="100000"/>
+                        </a:lnSpc>
+                        <a:spcBef>
+                          <a:spcPts val="0"/>
+                        </a:spcBef>
+                        <a:spcAft>
+                          <a:spcPts val="0"/>
+                        </a:spcAft>
+                        <a:buClrTx/>
+                        <a:buSzTx/>
+                        <a:buFontTx/>
+                        <a:buNone/>
+                        <a:tabLst/>
+                        <a:defRPr/>
+                      </a:pPr>
+                      <a:r>
+                        <a:rPr lang="en-US" altLang="ko-KR" sz="1400" dirty="0" smtClean="0"/>
+                        <a:t>q=</a:t>
+                      </a:r>
+                      <a:r>
+                        <a:rPr lang="en-US" altLang="ko-KR" sz="1400" dirty="0" err="1" smtClean="0"/>
+                        <a:t>post_time</a:t>
+                      </a:r>
+                      <a:r>
+                        <a:rPr lang="en-US" altLang="ko-KR" sz="1400" baseline="0" dirty="0" smtClean="0"/>
+                        <a:t> [&lt;&lt;</a:t>
+                      </a:r>
+                      <a:r>
+                        <a:rPr lang="ko-KR" altLang="en-US" sz="1400" baseline="0" dirty="0" smtClean="0"/>
+                        <a:t>시작 </a:t>
+                      </a:r>
+                      <a:r>
+                        <a:rPr lang="en-US" altLang="ko-KR" sz="1400" baseline="0" dirty="0" err="1" smtClean="0"/>
+                        <a:t>TImestamp</a:t>
+                      </a:r>
+                      <a:r>
+                        <a:rPr lang="en-US" altLang="ko-KR" sz="1400" baseline="0" dirty="0" smtClean="0"/>
+                        <a:t>&gt;&gt; TO &lt;&lt;</a:t>
+                      </a:r>
+                      <a:r>
+                        <a:rPr lang="ko-KR" altLang="en-US" sz="1400" baseline="0" dirty="0" smtClean="0"/>
+                        <a:t>나중</a:t>
+                      </a:r>
+                      <a:r>
+                        <a:rPr lang="en-US" altLang="ko-KR" sz="1400" baseline="0" dirty="0" smtClean="0"/>
+                        <a:t>Timestamp&gt;&gt; ]</a:t>
+                      </a:r>
+                      <a:endParaRPr lang="ko-KR" altLang="en-US" sz="1400" dirty="0" smtClean="0"/>
+                    </a:p>
+                  </a:txBody>
+                  <a:tcPr>
+                    <a:lnL w="12700" cap="flat" cmpd="sng" algn="ctr">
+                      <a:solidFill>
+                        <a:schemeClr val="tx1"/>
+                      </a:solidFill>
+                      <a:prstDash val="solid"/>
+                      <a:round/>
+                      <a:headEnd type="none" w="med" len="med"/>
+                      <a:tailEnd type="none" w="med" len="med"/>
+                    </a:lnL>
+                    <a:lnR w="12700" cap="flat" cmpd="sng" algn="ctr">
+                      <a:solidFill>
+                        <a:schemeClr val="tx1"/>
+                      </a:solidFill>
+                      <a:prstDash val="solid"/>
+                      <a:round/>
+                      <a:headEnd type="none" w="med" len="med"/>
+                      <a:tailEnd type="none" w="med" len="med"/>
+                    </a:lnR>
+                    <a:lnT w="12700" cap="flat" cmpd="sng" algn="ctr">
+                      <a:solidFill>
+                        <a:schemeClr val="tx1"/>
+                      </a:solidFill>
+                      <a:prstDash val="solid"/>
+                      <a:round/>
+                      <a:headEnd type="none" w="med" len="med"/>
+                      <a:tailEnd type="none" w="med" len="med"/>
+                    </a:lnT>
+                    <a:lnB w="12700" cap="flat" cmpd="sng" algn="ctr">
+                      <a:solidFill>
+                        <a:schemeClr val="tx1"/>
+                      </a:solidFill>
+                      <a:prstDash val="solid"/>
+                      <a:round/>
+                      <a:headEnd type="none" w="med" len="med"/>
+                      <a:tailEnd type="none" w="med" len="med"/>
+                    </a:lnB>
+                    <a:lnTlToBr w="12700" cmpd="sng">
+                      <a:noFill/>
+                      <a:prstDash val="solid"/>
+                    </a:lnTlToBr>
+                    <a:lnBlToTr w="12700" cmpd="sng">
+                      <a:noFill/>
+                      <a:prstDash val="solid"/>
+                    </a:lnBlToTr>
+                  </a:tcPr>
+                </a:tc>
+              </a:tr>
+            </a:tbl>
+          </a:graphicData>
+        </a:graphic>
+      </p:graphicFrame>
+    </p:spTree>
+    <p:extLst>
+      <p:ext uri="{BB962C8B-B14F-4D97-AF65-F5344CB8AC3E}">
+        <p14:creationId xmlns:p14="http://schemas.microsoft.com/office/powerpoint/2010/main" val="3941558245"/>
+      </p:ext>
+    </p:extLst>
+  </p:cSld>
+  <p:clrMapOvr>
+    <a:masterClrMapping/>
+  </p:clrMapOvr>
+  <p:timing>
+    <p:tnLst>
+      <p:par>
+        <p:cTn id="1" dur="indefinite" restart="never" nodeType="tmRoot"/>
+      </p:par>
+    </p:tnLst>
+  </p:timing>
+</p:sld>
+</file>
+
+<file path=ppt/slides/slide4.xml><?xml version="1.0" encoding="utf-8"?>
+<p:sld xmlns:a="http://schemas.openxmlformats.org/drawingml/2006/main" xmlns:r="http://schemas.openxmlformats.org/officeDocument/2006/relationships" xmlns:p="http://schemas.openxmlformats.org/presentationml/2006/main">
+  <p:cSld>
+    <p:spTree>
+      <p:nvGrpSpPr>
+        <p:cNvPr id="1" name=""/>
+        <p:cNvGrpSpPr/>
+        <p:nvPr/>
+      </p:nvGrpSpPr>
+      <p:grpSpPr>
+        <a:xfrm>
+          <a:off x="0" y="0"/>
+          <a:ext cx="0" cy="0"/>
+          <a:chOff x="0" y="0"/>
+          <a:chExt cx="0" cy="0"/>
+        </a:xfrm>
+      </p:grpSpPr>
+      <p:sp>
+        <p:nvSpPr>
+          <p:cNvPr id="2" name="제목 1"/>
+          <p:cNvSpPr>
+            <a:spLocks noGrp="1"/>
+          </p:cNvSpPr>
+          <p:nvPr>
+            <p:ph type="title"/>
+          </p:nvPr>
+        </p:nvSpPr>
+        <p:spPr>
+          <a:xfrm>
+            <a:off x="457200" y="274638"/>
+            <a:ext cx="8229600" cy="706090"/>
+          </a:xfrm>
+        </p:spPr>
+        <p:txBody>
+          <a:bodyPr>
+            <a:normAutofit fontScale="90000"/>
+          </a:bodyPr>
+          <a:lstStyle/>
+          <a:p>
+            <a:r>
+              <a:rPr lang="ko-KR" altLang="en-US" dirty="0" smtClean="0"/>
+              <a:t>검색결과 </a:t>
+            </a:r>
+            <a:r>
+              <a:rPr lang="en-US" altLang="ko-KR" dirty="0" smtClean="0"/>
+              <a:t>– </a:t>
+            </a:r>
+            <a:r>
+              <a:rPr lang="ko-KR" altLang="en-US" dirty="0" smtClean="0"/>
+              <a:t>결과 항목</a:t>
+            </a:r>
+            <a:endParaRPr lang="ko-KR" altLang="en-US" dirty="0"/>
+          </a:p>
+        </p:txBody>
+      </p:sp>
+      <p:graphicFrame>
+        <p:nvGraphicFramePr>
+          <p:cNvPr id="6" name="표 5"/>
+          <p:cNvGraphicFramePr>
+            <a:graphicFrameLocks noGrp="1"/>
+          </p:cNvGraphicFramePr>
+          <p:nvPr>
+            <p:extLst>
+              <p:ext uri="{D42A27DB-BD31-4B8C-83A1-F6EECF244321}">
+                <p14:modId xmlns:p14="http://schemas.microsoft.com/office/powerpoint/2010/main" val="1639656155"/>
+              </p:ext>
+            </p:extLst>
+          </p:nvPr>
+        </p:nvGraphicFramePr>
+        <p:xfrm>
+          <a:off x="306239" y="2996952"/>
+          <a:ext cx="8658249" cy="2133600"/>
+        </p:xfrm>
+        <a:graphic>
+          <a:graphicData uri="http://schemas.openxmlformats.org/drawingml/2006/table">
+            <a:tbl>
+              <a:tblPr firstRow="1" bandRow="1">
+                <a:tableStyleId>{69012ECD-51FC-41F1-AA8D-1B2483CD663E}</a:tableStyleId>
+              </a:tblPr>
+              <a:tblGrid>
+                <a:gridCol w="1334357"/>
+                <a:gridCol w="2067308"/>
+                <a:gridCol w="5256584"/>
+              </a:tblGrid>
+              <a:tr h="255627">
+                <a:tc>
+                  <a:txBody>
+                    <a:bodyPr/>
+                    <a:lstStyle/>
+                    <a:p>
+                      <a:pPr latinLnBrk="1"/>
+                      <a:r>
+                        <a:rPr lang="ko-KR" altLang="en-US" sz="1400" dirty="0" smtClean="0"/>
+                        <a:t>구분</a:t>
+                      </a:r>
+                      <a:endParaRPr lang="ko-KR" altLang="en-US" sz="1400" dirty="0"/>
+                    </a:p>
+                  </a:txBody>
+                  <a:tcPr>
+                    <a:lnL w="12700" cap="flat" cmpd="sng" algn="ctr">
+                      <a:solidFill>
+                        <a:schemeClr val="tx1"/>
+                      </a:solidFill>
+                      <a:prstDash val="solid"/>
+                      <a:round/>
+                      <a:headEnd type="none" w="med" len="med"/>
+                      <a:tailEnd type="none" w="med" len="med"/>
+                    </a:lnL>
+                    <a:lnR w="12700" cap="flat" cmpd="sng" algn="ctr">
+                      <a:solidFill>
+                        <a:schemeClr val="tx1"/>
+                      </a:solidFill>
+                      <a:prstDash val="solid"/>
+                      <a:round/>
+                      <a:headEnd type="none" w="med" len="med"/>
+                      <a:tailEnd type="none" w="med" len="med"/>
+                    </a:lnR>
+                    <a:lnT w="12700" cap="flat" cmpd="sng" algn="ctr">
+                      <a:solidFill>
+                        <a:schemeClr val="tx1"/>
+                      </a:solidFill>
+                      <a:prstDash val="solid"/>
+                      <a:round/>
+                      <a:headEnd type="none" w="med" len="med"/>
+                      <a:tailEnd type="none" w="med" len="med"/>
+                    </a:lnT>
+                    <a:lnB w="12700" cap="flat" cmpd="sng" algn="ctr">
+                      <a:solidFill>
+                        <a:schemeClr val="tx1"/>
+                      </a:solidFill>
+                      <a:prstDash val="solid"/>
+                      <a:round/>
+                      <a:headEnd type="none" w="med" len="med"/>
+                      <a:tailEnd type="none" w="med" len="med"/>
+                    </a:lnB>
+                    <a:lnTlToBr w="12700" cmpd="sng">
+                      <a:noFill/>
+                      <a:prstDash val="solid"/>
+                    </a:lnTlToBr>
+                    <a:lnBlToTr w="12700" cmpd="sng">
+                      <a:noFill/>
+                      <a:prstDash val="solid"/>
+                    </a:lnBlToTr>
+                  </a:tcPr>
+                </a:tc>
+                <a:tc>
+                  <a:txBody>
+                    <a:bodyPr/>
+                    <a:lstStyle/>
+                    <a:p>
+                      <a:pPr latinLnBrk="1"/>
+                      <a:r>
+                        <a:rPr lang="ko-KR" altLang="en-US" sz="1400" dirty="0" smtClean="0"/>
+                        <a:t>검색 결과 필드 명</a:t>
+                      </a:r>
+                      <a:endParaRPr lang="ko-KR" altLang="en-US" sz="1400" dirty="0"/>
+                    </a:p>
+                  </a:txBody>
+                  <a:tcPr>
+                    <a:lnL w="12700" cap="flat" cmpd="sng" algn="ctr">
+                      <a:solidFill>
+                        <a:schemeClr val="tx1"/>
+                      </a:solidFill>
+                      <a:prstDash val="solid"/>
+                      <a:round/>
+                      <a:headEnd type="none" w="med" len="med"/>
+                      <a:tailEnd type="none" w="med" len="med"/>
+                    </a:lnL>
+                    <a:lnR w="12700" cap="flat" cmpd="sng" algn="ctr">
+                      <a:solidFill>
+                        <a:schemeClr val="tx1"/>
+                      </a:solidFill>
+                      <a:prstDash val="solid"/>
+                      <a:round/>
+                      <a:headEnd type="none" w="med" len="med"/>
+                      <a:tailEnd type="none" w="med" len="med"/>
+                    </a:lnR>
+                    <a:lnT w="12700" cap="flat" cmpd="sng" algn="ctr">
+                      <a:solidFill>
+                        <a:schemeClr val="tx1"/>
+                      </a:solidFill>
+                      <a:prstDash val="solid"/>
+                      <a:round/>
+                      <a:headEnd type="none" w="med" len="med"/>
+                      <a:tailEnd type="none" w="med" len="med"/>
+                    </a:lnT>
+                    <a:lnB w="12700" cap="flat" cmpd="sng" algn="ctr">
+                      <a:solidFill>
+                        <a:schemeClr val="tx1"/>
+                      </a:solidFill>
+                      <a:prstDash val="solid"/>
+                      <a:round/>
+                      <a:headEnd type="none" w="med" len="med"/>
+                      <a:tailEnd type="none" w="med" len="med"/>
+                    </a:lnB>
+                    <a:lnTlToBr w="12700" cmpd="sng">
+                      <a:noFill/>
+                      <a:prstDash val="solid"/>
+                    </a:lnTlToBr>
+                    <a:lnBlToTr w="12700" cmpd="sng">
+                      <a:noFill/>
+                      <a:prstDash val="solid"/>
+                    </a:lnBlToTr>
+                  </a:tcPr>
+                </a:tc>
+                <a:tc>
+                  <a:txBody>
+                    <a:bodyPr/>
+                    <a:lstStyle/>
+                    <a:p>
+                      <a:pPr latinLnBrk="1"/>
+                      <a:r>
+                        <a:rPr lang="ko-KR" altLang="en-US" sz="1400" dirty="0" smtClean="0"/>
+                        <a:t>내용</a:t>
+                      </a:r>
+                      <a:endParaRPr lang="ko-KR" altLang="en-US" sz="1400" dirty="0"/>
+                    </a:p>
+                  </a:txBody>
+                  <a:tcPr>
+                    <a:lnL w="12700" cap="flat" cmpd="sng" algn="ctr">
+                      <a:solidFill>
+                        <a:schemeClr val="tx1"/>
+                      </a:solidFill>
+                      <a:prstDash val="solid"/>
+                      <a:round/>
+                      <a:headEnd type="none" w="med" len="med"/>
+                      <a:tailEnd type="none" w="med" len="med"/>
+                    </a:lnL>
+                    <a:lnR w="12700" cap="flat" cmpd="sng" algn="ctr">
+                      <a:solidFill>
+                        <a:schemeClr val="tx1"/>
+                      </a:solidFill>
+                      <a:prstDash val="solid"/>
+                      <a:round/>
+                      <a:headEnd type="none" w="med" len="med"/>
+                      <a:tailEnd type="none" w="med" len="med"/>
+                    </a:lnR>
+                    <a:lnT w="12700" cap="flat" cmpd="sng" algn="ctr">
+                      <a:solidFill>
+                        <a:schemeClr val="tx1"/>
+                      </a:solidFill>
+                      <a:prstDash val="solid"/>
+                      <a:round/>
+                      <a:headEnd type="none" w="med" len="med"/>
+                      <a:tailEnd type="none" w="med" len="med"/>
+                    </a:lnT>
+                    <a:lnB w="12700" cap="flat" cmpd="sng" algn="ctr">
+                      <a:solidFill>
+                        <a:schemeClr val="tx1"/>
+                      </a:solidFill>
+                      <a:prstDash val="solid"/>
+                      <a:round/>
+                      <a:headEnd type="none" w="med" len="med"/>
+                      <a:tailEnd type="none" w="med" len="med"/>
+                    </a:lnB>
+                    <a:lnTlToBr w="12700" cmpd="sng">
+                      <a:noFill/>
+                      <a:prstDash val="solid"/>
+                    </a:lnTlToBr>
+                    <a:lnBlToTr w="12700" cmpd="sng">
+                      <a:noFill/>
+                      <a:prstDash val="solid"/>
+                    </a:lnBlToTr>
+                  </a:tcPr>
+                </a:tc>
+              </a:tr>
+              <a:tr h="255627">
+                <a:tc>
+                  <a:txBody>
+                    <a:bodyPr/>
+                    <a:lstStyle/>
+                    <a:p>
+                      <a:pPr latinLnBrk="1">
+                        <a:buNone/>
+                      </a:pPr>
+                      <a:r>
+                        <a:rPr lang="ko-KR" altLang="en-US" sz="1400" dirty="0" err="1" smtClean="0"/>
+                        <a:t>대분류</a:t>
+                      </a:r>
+                      <a:endParaRPr lang="ko-KR" altLang="en-US" sz="1400" dirty="0"/>
+                    </a:p>
+                  </a:txBody>
+                  <a:tcPr>
+                    <a:lnL w="12700" cap="flat" cmpd="sng" algn="ctr">
+                      <a:solidFill>
+                        <a:schemeClr val="tx1"/>
+                      </a:solidFill>
+                      <a:prstDash val="solid"/>
+                      <a:round/>
+                      <a:headEnd type="none" w="med" len="med"/>
+                      <a:tailEnd type="none" w="med" len="med"/>
+                    </a:lnL>
+                    <a:lnR w="12700" cap="flat" cmpd="sng" algn="ctr">
+                      <a:solidFill>
+                        <a:schemeClr val="tx1"/>
+                      </a:solidFill>
+                      <a:prstDash val="solid"/>
+                      <a:round/>
+                      <a:headEnd type="none" w="med" len="med"/>
+                      <a:tailEnd type="none" w="med" len="med"/>
+                    </a:lnR>
+                    <a:lnT w="12700" cap="flat" cmpd="sng" algn="ctr">
+                      <a:solidFill>
+                        <a:schemeClr val="tx1"/>
+                      </a:solidFill>
+                      <a:prstDash val="solid"/>
+                      <a:round/>
+                      <a:headEnd type="none" w="med" len="med"/>
+                      <a:tailEnd type="none" w="med" len="med"/>
+                    </a:lnT>
+                    <a:lnB w="12700" cap="flat" cmpd="sng" algn="ctr">
+                      <a:solidFill>
+                        <a:schemeClr val="tx1"/>
+                      </a:solidFill>
+                      <a:prstDash val="solid"/>
+                      <a:round/>
+                      <a:headEnd type="none" w="med" len="med"/>
+                      <a:tailEnd type="none" w="med" len="med"/>
+                    </a:lnB>
+                    <a:lnTlToBr w="12700" cmpd="sng">
+                      <a:noFill/>
+                      <a:prstDash val="solid"/>
+                    </a:lnTlToBr>
+                    <a:lnBlToTr w="12700" cmpd="sng">
+                      <a:noFill/>
+                      <a:prstDash val="solid"/>
+                    </a:lnBlToTr>
+                  </a:tcPr>
+                </a:tc>
+                <a:tc>
+                  <a:txBody>
+                    <a:bodyPr/>
+                    <a:lstStyle/>
+                    <a:p>
+                      <a:pPr latinLnBrk="1"/>
+                      <a:r>
+                        <a:rPr lang="en-US" altLang="ko-KR" sz="1400" dirty="0" err="1" smtClean="0"/>
+                        <a:t>parent_forum_name</a:t>
+                      </a:r>
+                      <a:endParaRPr lang="ko-KR" altLang="en-US" sz="1400" dirty="0"/>
+                    </a:p>
+                  </a:txBody>
+                  <a:tcPr>
+                    <a:lnL w="12700" cap="flat" cmpd="sng" algn="ctr">
+                      <a:solidFill>
+                        <a:schemeClr val="tx1"/>
+                      </a:solidFill>
+                      <a:prstDash val="solid"/>
+                      <a:round/>
+                      <a:headEnd type="none" w="med" len="med"/>
+                      <a:tailEnd type="none" w="med" len="med"/>
+                    </a:lnL>
+                    <a:lnR w="12700" cap="flat" cmpd="sng" algn="ctr">
+                      <a:solidFill>
+                        <a:schemeClr val="tx1"/>
+                      </a:solidFill>
+                      <a:prstDash val="solid"/>
+                      <a:round/>
+                      <a:headEnd type="none" w="med" len="med"/>
+                      <a:tailEnd type="none" w="med" len="med"/>
+                    </a:lnR>
+                    <a:lnT w="12700" cap="flat" cmpd="sng" algn="ctr">
+                      <a:solidFill>
+                        <a:schemeClr val="tx1"/>
+                      </a:solidFill>
+                      <a:prstDash val="solid"/>
+                      <a:round/>
+                      <a:headEnd type="none" w="med" len="med"/>
+                      <a:tailEnd type="none" w="med" len="med"/>
+                    </a:lnT>
+                    <a:lnB w="12700" cap="flat" cmpd="sng" algn="ctr">
+                      <a:solidFill>
+                        <a:schemeClr val="tx1"/>
+                      </a:solidFill>
+                      <a:prstDash val="solid"/>
+                      <a:round/>
+                      <a:headEnd type="none" w="med" len="med"/>
+                      <a:tailEnd type="none" w="med" len="med"/>
+                    </a:lnB>
+                    <a:lnTlToBr w="12700" cmpd="sng">
+                      <a:noFill/>
+                      <a:prstDash val="solid"/>
+                    </a:lnTlToBr>
+                    <a:lnBlToTr w="12700" cmpd="sng">
+                      <a:noFill/>
+                      <a:prstDash val="solid"/>
+                    </a:lnBlToTr>
+                  </a:tcPr>
+                </a:tc>
+                <a:tc>
+                  <a:txBody>
+                    <a:bodyPr/>
+                    <a:lstStyle/>
+                    <a:p>
+                      <a:pPr latinLnBrk="1"/>
+                      <a:r>
+                        <a:rPr lang="ko-KR" altLang="en-US" sz="1400" dirty="0" smtClean="0"/>
+                        <a:t>현 포스트의 상위 카테고리</a:t>
+                      </a:r>
+                      <a:r>
+                        <a:rPr lang="en-US" altLang="ko-KR" sz="1400" dirty="0" smtClean="0"/>
+                        <a:t>(</a:t>
+                      </a:r>
+                      <a:r>
+                        <a:rPr lang="ko-KR" altLang="en-US" sz="1400" dirty="0" err="1" smtClean="0"/>
+                        <a:t>대분류</a:t>
+                      </a:r>
+                      <a:r>
+                        <a:rPr lang="en-US" altLang="ko-KR" sz="1400" dirty="0" smtClean="0"/>
+                        <a:t>)</a:t>
+                      </a:r>
+                      <a:endParaRPr lang="ko-KR" altLang="en-US" sz="1400" dirty="0"/>
+                    </a:p>
+                  </a:txBody>
+                  <a:tcPr>
+                    <a:lnL w="12700" cap="flat" cmpd="sng" algn="ctr">
+                      <a:solidFill>
+                        <a:schemeClr val="tx1"/>
+                      </a:solidFill>
+                      <a:prstDash val="solid"/>
+                      <a:round/>
+                      <a:headEnd type="none" w="med" len="med"/>
+                      <a:tailEnd type="none" w="med" len="med"/>
+                    </a:lnL>
+                    <a:lnR w="12700" cap="flat" cmpd="sng" algn="ctr">
+                      <a:solidFill>
+                        <a:schemeClr val="tx1"/>
+                      </a:solidFill>
+                      <a:prstDash val="solid"/>
+                      <a:round/>
+                      <a:headEnd type="none" w="med" len="med"/>
+                      <a:tailEnd type="none" w="med" len="med"/>
+                    </a:lnR>
+                    <a:lnT w="12700" cap="flat" cmpd="sng" algn="ctr">
+                      <a:solidFill>
+                        <a:schemeClr val="tx1"/>
+                      </a:solidFill>
+                      <a:prstDash val="solid"/>
+                      <a:round/>
+                      <a:headEnd type="none" w="med" len="med"/>
+                      <a:tailEnd type="none" w="med" len="med"/>
+                    </a:lnT>
+                    <a:lnB w="12700" cap="flat" cmpd="sng" algn="ctr">
+                      <a:solidFill>
+                        <a:schemeClr val="tx1"/>
+                      </a:solidFill>
+                      <a:prstDash val="solid"/>
+                      <a:round/>
+                      <a:headEnd type="none" w="med" len="med"/>
+                      <a:tailEnd type="none" w="med" len="med"/>
+                    </a:lnB>
+                    <a:lnTlToBr w="12700" cmpd="sng">
+                      <a:noFill/>
+                      <a:prstDash val="solid"/>
+                    </a:lnTlToBr>
+                    <a:lnBlToTr w="12700" cmpd="sng">
+                      <a:noFill/>
+                      <a:prstDash val="solid"/>
+                    </a:lnBlToTr>
+                  </a:tcPr>
+                </a:tc>
+              </a:tr>
+              <a:tr h="255627">
+                <a:tc>
+                  <a:txBody>
+                    <a:bodyPr/>
+                    <a:lstStyle/>
+                    <a:p>
+                      <a:pPr latinLnBrk="1">
+                        <a:buNone/>
+                      </a:pPr>
+                      <a:r>
+                        <a:rPr lang="ko-KR" altLang="en-US" sz="1400" dirty="0" err="1" smtClean="0"/>
+                        <a:t>토픽명</a:t>
+                      </a:r>
+                      <a:endParaRPr lang="ko-KR" altLang="en-US" sz="1400" dirty="0"/>
+                    </a:p>
+                  </a:txBody>
+                  <a:tcPr>
+                    <a:lnL w="12700" cap="flat" cmpd="sng" algn="ctr">
+                      <a:solidFill>
+                        <a:schemeClr val="tx1"/>
+                      </a:solidFill>
+                      <a:prstDash val="solid"/>
+                      <a:round/>
+                      <a:headEnd type="none" w="med" len="med"/>
+                      <a:tailEnd type="none" w="med" len="med"/>
+                    </a:lnL>
+                    <a:lnR w="12700" cap="flat" cmpd="sng" algn="ctr">
+                      <a:solidFill>
+                        <a:schemeClr val="tx1"/>
+                      </a:solidFill>
+                      <a:prstDash val="solid"/>
+                      <a:round/>
+                      <a:headEnd type="none" w="med" len="med"/>
+                      <a:tailEnd type="none" w="med" len="med"/>
+                    </a:lnR>
+                    <a:lnT w="12700" cap="flat" cmpd="sng" algn="ctr">
+                      <a:solidFill>
+                        <a:schemeClr val="tx1"/>
+                      </a:solidFill>
+                      <a:prstDash val="solid"/>
+                      <a:round/>
+                      <a:headEnd type="none" w="med" len="med"/>
+                      <a:tailEnd type="none" w="med" len="med"/>
+                    </a:lnT>
+                    <a:lnB w="12700" cap="flat" cmpd="sng" algn="ctr">
+                      <a:solidFill>
+                        <a:schemeClr val="tx1"/>
+                      </a:solidFill>
+                      <a:prstDash val="solid"/>
+                      <a:round/>
+                      <a:headEnd type="none" w="med" len="med"/>
+                      <a:tailEnd type="none" w="med" len="med"/>
+                    </a:lnB>
+                    <a:lnTlToBr w="12700" cmpd="sng">
+                      <a:noFill/>
+                      <a:prstDash val="solid"/>
+                    </a:lnTlToBr>
+                    <a:lnBlToTr w="12700" cmpd="sng">
+                      <a:noFill/>
+                      <a:prstDash val="solid"/>
+                    </a:lnBlToTr>
+                  </a:tcPr>
+                </a:tc>
+                <a:tc>
+                  <a:txBody>
+                    <a:bodyPr/>
+                    <a:lstStyle/>
+                    <a:p>
+                      <a:pPr latinLnBrk="1"/>
+                      <a:r>
+                        <a:rPr lang="en-US" altLang="ko-KR" sz="1400" dirty="0" err="1" smtClean="0"/>
+                        <a:t>parent_post_subject</a:t>
+                      </a:r>
+                      <a:endParaRPr lang="ko-KR" altLang="en-US" sz="1400" dirty="0"/>
+                    </a:p>
+                  </a:txBody>
+                  <a:tcPr>
+                    <a:lnL w="12700" cap="flat" cmpd="sng" algn="ctr">
+                      <a:solidFill>
+                        <a:schemeClr val="tx1"/>
+                      </a:solidFill>
+                      <a:prstDash val="solid"/>
+                      <a:round/>
+                      <a:headEnd type="none" w="med" len="med"/>
+                      <a:tailEnd type="none" w="med" len="med"/>
+                    </a:lnL>
+                    <a:lnR w="12700" cap="flat" cmpd="sng" algn="ctr">
+                      <a:solidFill>
+                        <a:schemeClr val="tx1"/>
+                      </a:solidFill>
+                      <a:prstDash val="solid"/>
+                      <a:round/>
+                      <a:headEnd type="none" w="med" len="med"/>
+                      <a:tailEnd type="none" w="med" len="med"/>
+                    </a:lnR>
+                    <a:lnT w="12700" cap="flat" cmpd="sng" algn="ctr">
+                      <a:solidFill>
+                        <a:schemeClr val="tx1"/>
+                      </a:solidFill>
+                      <a:prstDash val="solid"/>
+                      <a:round/>
+                      <a:headEnd type="none" w="med" len="med"/>
+                      <a:tailEnd type="none" w="med" len="med"/>
+                    </a:lnT>
+                    <a:lnB w="12700" cap="flat" cmpd="sng" algn="ctr">
+                      <a:solidFill>
+                        <a:schemeClr val="tx1"/>
+                      </a:solidFill>
+                      <a:prstDash val="solid"/>
+                      <a:round/>
+                      <a:headEnd type="none" w="med" len="med"/>
+                      <a:tailEnd type="none" w="med" len="med"/>
+                    </a:lnB>
+                    <a:lnTlToBr w="12700" cmpd="sng">
+                      <a:noFill/>
+                      <a:prstDash val="solid"/>
+                    </a:lnTlToBr>
+                    <a:lnBlToTr w="12700" cmpd="sng">
+                      <a:noFill/>
+                      <a:prstDash val="solid"/>
+                    </a:lnBlToTr>
+                  </a:tcPr>
+                </a:tc>
+                <a:tc>
+                  <a:txBody>
+                    <a:bodyPr/>
+                    <a:lstStyle/>
+                    <a:p>
+                      <a:pPr latinLnBrk="1"/>
+                      <a:r>
+                        <a:rPr lang="ko-KR" altLang="en-US" sz="1400" dirty="0" smtClean="0"/>
+                        <a:t>현 포스트의 토픽 제목</a:t>
+                      </a:r>
+                      <a:endParaRPr lang="ko-KR" altLang="en-US" sz="1400" dirty="0"/>
+                    </a:p>
+                  </a:txBody>
+                  <a:tcPr>
+                    <a:lnL w="12700" cap="flat" cmpd="sng" algn="ctr">
+                      <a:solidFill>
+                        <a:schemeClr val="tx1"/>
+                      </a:solidFill>
+                      <a:prstDash val="solid"/>
+                      <a:round/>
+                      <a:headEnd type="none" w="med" len="med"/>
+                      <a:tailEnd type="none" w="med" len="med"/>
+                    </a:lnL>
+                    <a:lnR w="12700" cap="flat" cmpd="sng" algn="ctr">
+                      <a:solidFill>
+                        <a:schemeClr val="tx1"/>
+                      </a:solidFill>
+                      <a:prstDash val="solid"/>
+                      <a:round/>
+                      <a:headEnd type="none" w="med" len="med"/>
+                      <a:tailEnd type="none" w="med" len="med"/>
+                    </a:lnR>
+                    <a:lnT w="12700" cap="flat" cmpd="sng" algn="ctr">
+                      <a:solidFill>
+                        <a:schemeClr val="tx1"/>
+                      </a:solidFill>
+                      <a:prstDash val="solid"/>
+                      <a:round/>
+                      <a:headEnd type="none" w="med" len="med"/>
+                      <a:tailEnd type="none" w="med" len="med"/>
+                    </a:lnT>
+                    <a:lnB w="12700" cap="flat" cmpd="sng" algn="ctr">
+                      <a:solidFill>
+                        <a:schemeClr val="tx1"/>
+                      </a:solidFill>
+                      <a:prstDash val="solid"/>
+                      <a:round/>
+                      <a:headEnd type="none" w="med" len="med"/>
+                      <a:tailEnd type="none" w="med" len="med"/>
+                    </a:lnB>
+                    <a:lnTlToBr w="12700" cmpd="sng">
+                      <a:noFill/>
+                      <a:prstDash val="solid"/>
+                    </a:lnTlToBr>
+                    <a:lnBlToTr w="12700" cmpd="sng">
+                      <a:noFill/>
+                      <a:prstDash val="solid"/>
+                    </a:lnBlToTr>
+                  </a:tcPr>
+                </a:tc>
+              </a:tr>
+              <a:tr h="255627">
+                <a:tc>
+                  <a:txBody>
+                    <a:bodyPr/>
+                    <a:lstStyle/>
+                    <a:p>
+                      <a:pPr marL="0" marR="0" indent="0" algn="l" defTabSz="914400" rtl="0" eaLnBrk="1" fontAlgn="auto" latinLnBrk="1" hangingPunct="1">
+                        <a:lnSpc>
+                          <a:spcPct val="100000"/>
+                        </a:lnSpc>
+                        <a:spcBef>
+                          <a:spcPts val="0"/>
+                        </a:spcBef>
+                        <a:spcAft>
+                          <a:spcPts val="0"/>
+                        </a:spcAft>
+                        <a:buClrTx/>
+                        <a:buSzTx/>
+                        <a:buFontTx/>
+                        <a:buNone/>
+                        <a:tabLst/>
+                        <a:defRPr/>
+                      </a:pPr>
+                      <a:r>
+                        <a:rPr lang="ko-KR" altLang="en-US" sz="1400" dirty="0" smtClean="0"/>
+                        <a:t>작성자</a:t>
+                      </a:r>
+                    </a:p>
+                  </a:txBody>
+                  <a:tcPr>
+                    <a:lnL w="12700" cap="flat" cmpd="sng" algn="ctr">
+                      <a:solidFill>
+                        <a:schemeClr val="tx1"/>
+                      </a:solidFill>
+                      <a:prstDash val="solid"/>
+                      <a:round/>
+                      <a:headEnd type="none" w="med" len="med"/>
+                      <a:tailEnd type="none" w="med" len="med"/>
+                    </a:lnL>
+                    <a:lnR w="12700" cap="flat" cmpd="sng" algn="ctr">
+                      <a:solidFill>
+                        <a:schemeClr val="tx1"/>
+                      </a:solidFill>
+                      <a:prstDash val="solid"/>
+                      <a:round/>
+                      <a:headEnd type="none" w="med" len="med"/>
+                      <a:tailEnd type="none" w="med" len="med"/>
+                    </a:lnR>
+                    <a:lnT w="12700" cap="flat" cmpd="sng" algn="ctr">
+                      <a:solidFill>
+                        <a:schemeClr val="tx1"/>
+                      </a:solidFill>
+                      <a:prstDash val="solid"/>
+                      <a:round/>
+                      <a:headEnd type="none" w="med" len="med"/>
+                      <a:tailEnd type="none" w="med" len="med"/>
+                    </a:lnT>
+                    <a:lnB w="12700" cap="flat" cmpd="sng" algn="ctr">
+                      <a:solidFill>
+                        <a:schemeClr val="tx1"/>
+                      </a:solidFill>
+                      <a:prstDash val="solid"/>
+                      <a:round/>
+                      <a:headEnd type="none" w="med" len="med"/>
+                      <a:tailEnd type="none" w="med" len="med"/>
+                    </a:lnB>
+                    <a:lnTlToBr w="12700" cmpd="sng">
+                      <a:noFill/>
+                      <a:prstDash val="solid"/>
+                    </a:lnTlToBr>
+                    <a:lnBlToTr w="12700" cmpd="sng">
+                      <a:noFill/>
+                      <a:prstDash val="solid"/>
+                    </a:lnBlToTr>
+                  </a:tcPr>
+                </a:tc>
+                <a:tc>
+                  <a:txBody>
+                    <a:bodyPr/>
+                    <a:lstStyle/>
+                    <a:p>
+                      <a:pPr latinLnBrk="1"/>
+                      <a:r>
+                        <a:rPr lang="en-US" altLang="ko-KR" sz="1400" dirty="0" err="1" smtClean="0"/>
+                        <a:t>post_username</a:t>
+                      </a:r>
+                      <a:endParaRPr lang="ko-KR" altLang="en-US" sz="1400" dirty="0"/>
+                    </a:p>
+                  </a:txBody>
+                  <a:tcPr>
+                    <a:lnL w="12700" cap="flat" cmpd="sng" algn="ctr">
+                      <a:solidFill>
+                        <a:schemeClr val="tx1"/>
+                      </a:solidFill>
+                      <a:prstDash val="solid"/>
+                      <a:round/>
+                      <a:headEnd type="none" w="med" len="med"/>
+                      <a:tailEnd type="none" w="med" len="med"/>
+                    </a:lnL>
+                    <a:lnR w="12700" cap="flat" cmpd="sng" algn="ctr">
+                      <a:solidFill>
+                        <a:schemeClr val="tx1"/>
+                      </a:solidFill>
+                      <a:prstDash val="solid"/>
+                      <a:round/>
+                      <a:headEnd type="none" w="med" len="med"/>
+                      <a:tailEnd type="none" w="med" len="med"/>
+                    </a:lnR>
+                    <a:lnT w="12700" cap="flat" cmpd="sng" algn="ctr">
+                      <a:solidFill>
+                        <a:schemeClr val="tx1"/>
+                      </a:solidFill>
+                      <a:prstDash val="solid"/>
+                      <a:round/>
+                      <a:headEnd type="none" w="med" len="med"/>
+                      <a:tailEnd type="none" w="med" len="med"/>
+                    </a:lnT>
+                    <a:lnB w="12700" cap="flat" cmpd="sng" algn="ctr">
+                      <a:solidFill>
+                        <a:schemeClr val="tx1"/>
+                      </a:solidFill>
+                      <a:prstDash val="solid"/>
+                      <a:round/>
+                      <a:headEnd type="none" w="med" len="med"/>
+                      <a:tailEnd type="none" w="med" len="med"/>
+                    </a:lnB>
+                    <a:lnTlToBr w="12700" cmpd="sng">
+                      <a:noFill/>
+                      <a:prstDash val="solid"/>
+                    </a:lnTlToBr>
+                    <a:lnBlToTr w="12700" cmpd="sng">
+                      <a:noFill/>
+                      <a:prstDash val="solid"/>
+                    </a:lnBlToTr>
+                  </a:tcPr>
+                </a:tc>
+                <a:tc>
+                  <a:txBody>
+                    <a:bodyPr/>
+                    <a:lstStyle/>
+                    <a:p>
+                      <a:pPr latinLnBrk="1"/>
+                      <a:r>
+                        <a:rPr lang="ko-KR" altLang="en-US" sz="1400" dirty="0" smtClean="0"/>
+                        <a:t>현 포스트의 작성자</a:t>
+                      </a:r>
+                      <a:endParaRPr lang="ko-KR" altLang="en-US" sz="1400" dirty="0"/>
+                    </a:p>
+                  </a:txBody>
+                  <a:tcPr>
+                    <a:lnL w="12700" cap="flat" cmpd="sng" algn="ctr">
+                      <a:solidFill>
+                        <a:schemeClr val="tx1"/>
+                      </a:solidFill>
+                      <a:prstDash val="solid"/>
+                      <a:round/>
+                      <a:headEnd type="none" w="med" len="med"/>
+                      <a:tailEnd type="none" w="med" len="med"/>
+                    </a:lnL>
+                    <a:lnR w="12700" cap="flat" cmpd="sng" algn="ctr">
+                      <a:solidFill>
+                        <a:schemeClr val="tx1"/>
+                      </a:solidFill>
+                      <a:prstDash val="solid"/>
+                      <a:round/>
+                      <a:headEnd type="none" w="med" len="med"/>
+                      <a:tailEnd type="none" w="med" len="med"/>
+                    </a:lnR>
+                    <a:lnT w="12700" cap="flat" cmpd="sng" algn="ctr">
+                      <a:solidFill>
+                        <a:schemeClr val="tx1"/>
+                      </a:solidFill>
+                      <a:prstDash val="solid"/>
+                      <a:round/>
+                      <a:headEnd type="none" w="med" len="med"/>
+                      <a:tailEnd type="none" w="med" len="med"/>
+                    </a:lnT>
+                    <a:lnB w="12700" cap="flat" cmpd="sng" algn="ctr">
+                      <a:solidFill>
+                        <a:schemeClr val="tx1"/>
+                      </a:solidFill>
+                      <a:prstDash val="solid"/>
+                      <a:round/>
+                      <a:headEnd type="none" w="med" len="med"/>
+                      <a:tailEnd type="none" w="med" len="med"/>
+                    </a:lnB>
+                    <a:lnTlToBr w="12700" cmpd="sng">
+                      <a:noFill/>
+                      <a:prstDash val="solid"/>
+                    </a:lnTlToBr>
+                    <a:lnBlToTr w="12700" cmpd="sng">
+                      <a:noFill/>
+                      <a:prstDash val="solid"/>
+                    </a:lnBlToTr>
+                  </a:tcPr>
+                </a:tc>
+              </a:tr>
+              <a:tr h="255627">
+                <a:tc>
+                  <a:txBody>
+                    <a:bodyPr/>
+                    <a:lstStyle/>
+                    <a:p>
+                      <a:pPr marL="0" marR="0" indent="0" algn="l" defTabSz="914400" rtl="0" eaLnBrk="1" fontAlgn="auto" latinLnBrk="1" hangingPunct="1">
+                        <a:lnSpc>
+                          <a:spcPct val="100000"/>
+                        </a:lnSpc>
+                        <a:spcBef>
+                          <a:spcPts val="0"/>
+                        </a:spcBef>
+                        <a:spcAft>
+                          <a:spcPts val="0"/>
+                        </a:spcAft>
+                        <a:buClrTx/>
+                        <a:buSzTx/>
+                        <a:buFontTx/>
+                        <a:buNone/>
+                        <a:tabLst/>
+                        <a:defRPr/>
+                      </a:pPr>
+                      <a:r>
+                        <a:rPr lang="ko-KR" altLang="en-US" sz="1400" dirty="0" smtClean="0"/>
+                        <a:t>작성일</a:t>
+                      </a:r>
+                    </a:p>
+                  </a:txBody>
+                  <a:tcPr>
+                    <a:lnL w="12700" cap="flat" cmpd="sng" algn="ctr">
+                      <a:solidFill>
+                        <a:schemeClr val="tx1"/>
+                      </a:solidFill>
+                      <a:prstDash val="solid"/>
+                      <a:round/>
+                      <a:headEnd type="none" w="med" len="med"/>
+                      <a:tailEnd type="none" w="med" len="med"/>
+                    </a:lnL>
+                    <a:lnR w="12700" cap="flat" cmpd="sng" algn="ctr">
+                      <a:solidFill>
+                        <a:schemeClr val="tx1"/>
+                      </a:solidFill>
+                      <a:prstDash val="solid"/>
+                      <a:round/>
+                      <a:headEnd type="none" w="med" len="med"/>
+                      <a:tailEnd type="none" w="med" len="med"/>
+                    </a:lnR>
+                    <a:lnT w="12700" cap="flat" cmpd="sng" algn="ctr">
+                      <a:solidFill>
+                        <a:schemeClr val="tx1"/>
+                      </a:solidFill>
+                      <a:prstDash val="solid"/>
+                      <a:round/>
+                      <a:headEnd type="none" w="med" len="med"/>
+                      <a:tailEnd type="none" w="med" len="med"/>
+                    </a:lnT>
+                    <a:lnB w="12700" cap="flat" cmpd="sng" algn="ctr">
+                      <a:solidFill>
+                        <a:schemeClr val="tx1"/>
+                      </a:solidFill>
+                      <a:prstDash val="solid"/>
+                      <a:round/>
+                      <a:headEnd type="none" w="med" len="med"/>
+                      <a:tailEnd type="none" w="med" len="med"/>
+                    </a:lnB>
+                    <a:lnTlToBr w="12700" cmpd="sng">
+                      <a:noFill/>
+                      <a:prstDash val="solid"/>
+                    </a:lnTlToBr>
+                    <a:lnBlToTr w="12700" cmpd="sng">
+                      <a:noFill/>
+                      <a:prstDash val="solid"/>
+                    </a:lnBlToTr>
+                  </a:tcPr>
+                </a:tc>
+                <a:tc>
+                  <a:txBody>
+                    <a:bodyPr/>
+                    <a:lstStyle/>
+                    <a:p>
+                      <a:pPr latinLnBrk="1"/>
+                      <a:r>
+                        <a:rPr lang="en-US" altLang="ko-KR" sz="1400" dirty="0" err="1" smtClean="0"/>
+                        <a:t>post_date</a:t>
+                      </a:r>
+                      <a:endParaRPr lang="ko-KR" altLang="en-US" sz="1400" dirty="0"/>
+                    </a:p>
+                  </a:txBody>
+                  <a:tcPr>
+                    <a:lnL w="12700" cap="flat" cmpd="sng" algn="ctr">
+                      <a:solidFill>
+                        <a:schemeClr val="tx1"/>
+                      </a:solidFill>
+                      <a:prstDash val="solid"/>
+                      <a:round/>
+                      <a:headEnd type="none" w="med" len="med"/>
+                      <a:tailEnd type="none" w="med" len="med"/>
+                    </a:lnL>
+                    <a:lnR w="12700" cap="flat" cmpd="sng" algn="ctr">
+                      <a:solidFill>
+                        <a:schemeClr val="tx1"/>
+                      </a:solidFill>
+                      <a:prstDash val="solid"/>
+                      <a:round/>
+                      <a:headEnd type="none" w="med" len="med"/>
+                      <a:tailEnd type="none" w="med" len="med"/>
+                    </a:lnR>
+                    <a:lnT w="12700" cap="flat" cmpd="sng" algn="ctr">
+                      <a:solidFill>
+                        <a:schemeClr val="tx1"/>
+                      </a:solidFill>
+                      <a:prstDash val="solid"/>
+                      <a:round/>
+                      <a:headEnd type="none" w="med" len="med"/>
+                      <a:tailEnd type="none" w="med" len="med"/>
+                    </a:lnT>
+                    <a:lnB w="12700" cap="flat" cmpd="sng" algn="ctr">
+                      <a:solidFill>
+                        <a:schemeClr val="tx1"/>
+                      </a:solidFill>
+                      <a:prstDash val="solid"/>
+                      <a:round/>
+                      <a:headEnd type="none" w="med" len="med"/>
+                      <a:tailEnd type="none" w="med" len="med"/>
+                    </a:lnB>
+                    <a:lnTlToBr w="12700" cmpd="sng">
+                      <a:noFill/>
+                      <a:prstDash val="solid"/>
+                    </a:lnTlToBr>
+                    <a:lnBlToTr w="12700" cmpd="sng">
+                      <a:noFill/>
+                      <a:prstDash val="solid"/>
+                    </a:lnBlToTr>
+                  </a:tcPr>
+                </a:tc>
+                <a:tc>
+                  <a:txBody>
+                    <a:bodyPr/>
+                    <a:lstStyle/>
+                    <a:p>
+                      <a:pPr latinLnBrk="1"/>
+                      <a:r>
+                        <a:rPr lang="ko-KR" altLang="en-US" sz="1400" dirty="0" smtClean="0"/>
+                        <a:t>현 포스트의 작성일</a:t>
+                      </a:r>
+                      <a:endParaRPr lang="ko-KR" altLang="en-US" sz="1400" dirty="0"/>
+                    </a:p>
+                  </a:txBody>
+                  <a:tcPr>
+                    <a:lnL w="12700" cap="flat" cmpd="sng" algn="ctr">
+                      <a:solidFill>
+                        <a:schemeClr val="tx1"/>
+                      </a:solidFill>
+                      <a:prstDash val="solid"/>
+                      <a:round/>
+                      <a:headEnd type="none" w="med" len="med"/>
+                      <a:tailEnd type="none" w="med" len="med"/>
+                    </a:lnL>
+                    <a:lnR w="12700" cap="flat" cmpd="sng" algn="ctr">
+                      <a:solidFill>
+                        <a:schemeClr val="tx1"/>
+                      </a:solidFill>
+                      <a:prstDash val="solid"/>
+                      <a:round/>
+                      <a:headEnd type="none" w="med" len="med"/>
+                      <a:tailEnd type="none" w="med" len="med"/>
+                    </a:lnR>
+                    <a:lnT w="12700" cap="flat" cmpd="sng" algn="ctr">
+                      <a:solidFill>
+                        <a:schemeClr val="tx1"/>
+                      </a:solidFill>
+                      <a:prstDash val="solid"/>
+                      <a:round/>
+                      <a:headEnd type="none" w="med" len="med"/>
+                      <a:tailEnd type="none" w="med" len="med"/>
+                    </a:lnT>
+                    <a:lnB w="12700" cap="flat" cmpd="sng" algn="ctr">
+                      <a:solidFill>
+                        <a:schemeClr val="tx1"/>
+                      </a:solidFill>
+                      <a:prstDash val="solid"/>
+                      <a:round/>
+                      <a:headEnd type="none" w="med" len="med"/>
+                      <a:tailEnd type="none" w="med" len="med"/>
+                    </a:lnB>
+                    <a:lnTlToBr w="12700" cmpd="sng">
+                      <a:noFill/>
+                      <a:prstDash val="solid"/>
+                    </a:lnTlToBr>
+                    <a:lnBlToTr w="12700" cmpd="sng">
+                      <a:noFill/>
+                      <a:prstDash val="solid"/>
+                    </a:lnBlToTr>
+                  </a:tcPr>
+                </a:tc>
+              </a:tr>
+              <a:tr h="255627">
+                <a:tc>
+                  <a:txBody>
+                    <a:bodyPr/>
+                    <a:lstStyle/>
+                    <a:p>
+                      <a:pPr marL="0" marR="0" indent="0" algn="l" defTabSz="914400" rtl="0" eaLnBrk="1" fontAlgn="auto" latinLnBrk="1" hangingPunct="1">
+                        <a:lnSpc>
+                          <a:spcPct val="100000"/>
+                        </a:lnSpc>
+                        <a:spcBef>
+                          <a:spcPts val="0"/>
+                        </a:spcBef>
+                        <a:spcAft>
+                          <a:spcPts val="0"/>
+                        </a:spcAft>
+                        <a:buClrTx/>
+                        <a:buSzTx/>
+                        <a:buFontTx/>
+                        <a:buNone/>
+                        <a:tabLst/>
+                        <a:defRPr/>
+                      </a:pPr>
+                      <a:r>
+                        <a:rPr lang="ko-KR" altLang="en-US" sz="1400" dirty="0" smtClean="0"/>
+                        <a:t>소분류</a:t>
+                      </a:r>
+                    </a:p>
+                  </a:txBody>
+                  <a:tcPr>
+                    <a:lnL w="12700" cap="flat" cmpd="sng" algn="ctr">
+                      <a:solidFill>
+                        <a:schemeClr val="tx1"/>
+                      </a:solidFill>
+                      <a:prstDash val="solid"/>
+                      <a:round/>
+                      <a:headEnd type="none" w="med" len="med"/>
+                      <a:tailEnd type="none" w="med" len="med"/>
+                    </a:lnL>
+                    <a:lnR w="12700" cap="flat" cmpd="sng" algn="ctr">
+                      <a:solidFill>
+                        <a:schemeClr val="tx1"/>
+                      </a:solidFill>
+                      <a:prstDash val="solid"/>
+                      <a:round/>
+                      <a:headEnd type="none" w="med" len="med"/>
+                      <a:tailEnd type="none" w="med" len="med"/>
+                    </a:lnR>
+                    <a:lnT w="12700" cap="flat" cmpd="sng" algn="ctr">
+                      <a:solidFill>
+                        <a:schemeClr val="tx1"/>
+                      </a:solidFill>
+                      <a:prstDash val="solid"/>
+                      <a:round/>
+                      <a:headEnd type="none" w="med" len="med"/>
+                      <a:tailEnd type="none" w="med" len="med"/>
+                    </a:lnT>
+                    <a:lnB w="12700" cap="flat" cmpd="sng" algn="ctr">
+                      <a:solidFill>
+                        <a:schemeClr val="tx1"/>
+                      </a:solidFill>
+                      <a:prstDash val="solid"/>
+                      <a:round/>
+                      <a:headEnd type="none" w="med" len="med"/>
+                      <a:tailEnd type="none" w="med" len="med"/>
+                    </a:lnB>
+                    <a:lnTlToBr w="12700" cmpd="sng">
+                      <a:noFill/>
+                      <a:prstDash val="solid"/>
+                    </a:lnTlToBr>
+                    <a:lnBlToTr w="12700" cmpd="sng">
+                      <a:noFill/>
+                      <a:prstDash val="solid"/>
+                    </a:lnBlToTr>
+                  </a:tcPr>
+                </a:tc>
+                <a:tc>
+                  <a:txBody>
+                    <a:bodyPr/>
+                    <a:lstStyle/>
+                    <a:p>
+                      <a:pPr latinLnBrk="1"/>
+                      <a:r>
+                        <a:rPr lang="en-US" altLang="ko-KR" sz="1400" dirty="0" err="1" smtClean="0"/>
+                        <a:t>forum_name</a:t>
+                      </a:r>
+                      <a:endParaRPr lang="ko-KR" altLang="en-US" sz="1400" dirty="0"/>
+                    </a:p>
+                  </a:txBody>
+                  <a:tcPr>
+                    <a:lnL w="12700" cap="flat" cmpd="sng" algn="ctr">
+                      <a:solidFill>
+                        <a:schemeClr val="tx1"/>
+                      </a:solidFill>
+                      <a:prstDash val="solid"/>
+                      <a:round/>
+                      <a:headEnd type="none" w="med" len="med"/>
+                      <a:tailEnd type="none" w="med" len="med"/>
+                    </a:lnL>
+                    <a:lnR w="12700" cap="flat" cmpd="sng" algn="ctr">
+                      <a:solidFill>
+                        <a:schemeClr val="tx1"/>
+                      </a:solidFill>
+                      <a:prstDash val="solid"/>
+                      <a:round/>
+                      <a:headEnd type="none" w="med" len="med"/>
+                      <a:tailEnd type="none" w="med" len="med"/>
+                    </a:lnR>
+                    <a:lnT w="12700" cap="flat" cmpd="sng" algn="ctr">
+                      <a:solidFill>
+                        <a:schemeClr val="tx1"/>
+                      </a:solidFill>
+                      <a:prstDash val="solid"/>
+                      <a:round/>
+                      <a:headEnd type="none" w="med" len="med"/>
+                      <a:tailEnd type="none" w="med" len="med"/>
+                    </a:lnT>
+                    <a:lnB w="12700" cap="flat" cmpd="sng" algn="ctr">
+                      <a:solidFill>
+                        <a:schemeClr val="tx1"/>
+                      </a:solidFill>
+                      <a:prstDash val="solid"/>
+                      <a:round/>
+                      <a:headEnd type="none" w="med" len="med"/>
+                      <a:tailEnd type="none" w="med" len="med"/>
+                    </a:lnB>
+                    <a:lnTlToBr w="12700" cmpd="sng">
+                      <a:noFill/>
+                      <a:prstDash val="solid"/>
+                    </a:lnTlToBr>
+                    <a:lnBlToTr w="12700" cmpd="sng">
+                      <a:noFill/>
+                      <a:prstDash val="solid"/>
+                    </a:lnBlToTr>
+                  </a:tcPr>
+                </a:tc>
+                <a:tc>
+                  <a:txBody>
+                    <a:bodyPr/>
+                    <a:lstStyle/>
+                    <a:p>
+                      <a:pPr latinLnBrk="1"/>
+                      <a:r>
+                        <a:rPr lang="ko-KR" altLang="en-US" sz="1400" dirty="0" smtClean="0"/>
+                        <a:t>현 포스트의 하위 카테고리</a:t>
+                      </a:r>
+                      <a:r>
+                        <a:rPr lang="en-US" altLang="ko-KR" sz="1400" dirty="0" smtClean="0"/>
+                        <a:t>(</a:t>
+                      </a:r>
+                      <a:r>
+                        <a:rPr lang="ko-KR" altLang="en-US" sz="1400" dirty="0" smtClean="0"/>
+                        <a:t>소분류</a:t>
+                      </a:r>
+                      <a:r>
+                        <a:rPr lang="en-US" altLang="ko-KR" sz="1400" dirty="0" smtClean="0"/>
+                        <a:t>)</a:t>
+                      </a:r>
+                      <a:endParaRPr lang="ko-KR" altLang="en-US" sz="1400" dirty="0"/>
+                    </a:p>
+                  </a:txBody>
+                  <a:tcPr>
+                    <a:lnL w="12700" cap="flat" cmpd="sng" algn="ctr">
+                      <a:solidFill>
+                        <a:schemeClr val="tx1"/>
+                      </a:solidFill>
+                      <a:prstDash val="solid"/>
+                      <a:round/>
+                      <a:headEnd type="none" w="med" len="med"/>
+                      <a:tailEnd type="none" w="med" len="med"/>
+                    </a:lnL>
+                    <a:lnR w="12700" cap="flat" cmpd="sng" algn="ctr">
+                      <a:solidFill>
+                        <a:schemeClr val="tx1"/>
+                      </a:solidFill>
+                      <a:prstDash val="solid"/>
+                      <a:round/>
+                      <a:headEnd type="none" w="med" len="med"/>
+                      <a:tailEnd type="none" w="med" len="med"/>
+                    </a:lnR>
+                    <a:lnT w="12700" cap="flat" cmpd="sng" algn="ctr">
+                      <a:solidFill>
+                        <a:schemeClr val="tx1"/>
+                      </a:solidFill>
+                      <a:prstDash val="solid"/>
+                      <a:round/>
+                      <a:headEnd type="none" w="med" len="med"/>
+                      <a:tailEnd type="none" w="med" len="med"/>
+                    </a:lnT>
+                    <a:lnB w="12700" cap="flat" cmpd="sng" algn="ctr">
+                      <a:solidFill>
+                        <a:schemeClr val="tx1"/>
+                      </a:solidFill>
+                      <a:prstDash val="solid"/>
+                      <a:round/>
+                      <a:headEnd type="none" w="med" len="med"/>
+                      <a:tailEnd type="none" w="med" len="med"/>
+                    </a:lnB>
+                    <a:lnTlToBr w="12700" cmpd="sng">
+                      <a:noFill/>
+                      <a:prstDash val="solid"/>
+                    </a:lnTlToBr>
+                    <a:lnBlToTr w="12700" cmpd="sng">
+                      <a:noFill/>
+                      <a:prstDash val="solid"/>
+                    </a:lnBlToTr>
+                  </a:tcPr>
+                </a:tc>
+              </a:tr>
+              <a:tr h="255627">
+                <a:tc>
+                  <a:txBody>
+                    <a:bodyPr/>
+                    <a:lstStyle/>
+                    <a:p>
+                      <a:pPr latinLnBrk="1"/>
+                      <a:r>
+                        <a:rPr lang="ko-KR" altLang="en-US" sz="1400" dirty="0" smtClean="0"/>
+                        <a:t>포스트 내용</a:t>
+                      </a:r>
+                      <a:endParaRPr lang="ko-KR" altLang="en-US" sz="1400" dirty="0"/>
+                    </a:p>
+                  </a:txBody>
+                  <a:tcPr>
+                    <a:lnL w="12700" cap="flat" cmpd="sng" algn="ctr">
+                      <a:solidFill>
+                        <a:schemeClr val="tx1"/>
+                      </a:solidFill>
+                      <a:prstDash val="solid"/>
+                      <a:round/>
+                      <a:headEnd type="none" w="med" len="med"/>
+                      <a:tailEnd type="none" w="med" len="med"/>
+                    </a:lnL>
+                    <a:lnR w="12700" cap="flat" cmpd="sng" algn="ctr">
+                      <a:solidFill>
+                        <a:schemeClr val="tx1"/>
+                      </a:solidFill>
+                      <a:prstDash val="solid"/>
+                      <a:round/>
+                      <a:headEnd type="none" w="med" len="med"/>
+                      <a:tailEnd type="none" w="med" len="med"/>
+                    </a:lnR>
+                    <a:lnT w="12700" cap="flat" cmpd="sng" algn="ctr">
+                      <a:solidFill>
+                        <a:schemeClr val="tx1"/>
+                      </a:solidFill>
+                      <a:prstDash val="solid"/>
+                      <a:round/>
+                      <a:headEnd type="none" w="med" len="med"/>
+                      <a:tailEnd type="none" w="med" len="med"/>
+                    </a:lnT>
+                    <a:lnB w="12700" cap="flat" cmpd="sng" algn="ctr">
+                      <a:solidFill>
+                        <a:schemeClr val="tx1"/>
+                      </a:solidFill>
+                      <a:prstDash val="solid"/>
+                      <a:round/>
+                      <a:headEnd type="none" w="med" len="med"/>
+                      <a:tailEnd type="none" w="med" len="med"/>
+                    </a:lnB>
+                    <a:lnTlToBr w="12700" cmpd="sng">
+                      <a:noFill/>
+                      <a:prstDash val="solid"/>
+                    </a:lnTlToBr>
+                    <a:lnBlToTr w="12700" cmpd="sng">
+                      <a:noFill/>
+                      <a:prstDash val="solid"/>
+                    </a:lnBlToTr>
+                  </a:tcPr>
+                </a:tc>
+                <a:tc>
+                  <a:txBody>
+                    <a:bodyPr/>
+                    <a:lstStyle/>
+                    <a:p>
+                      <a:pPr latinLnBrk="1"/>
+                      <a:r>
+                        <a:rPr lang="en-US" altLang="ko-KR" sz="1400" dirty="0" err="1" smtClean="0"/>
+                        <a:t>post_text</a:t>
+                      </a:r>
+                      <a:endParaRPr lang="ko-KR" altLang="en-US" sz="1400" dirty="0"/>
+                    </a:p>
+                  </a:txBody>
+                  <a:tcPr>
+                    <a:lnL w="12700" cap="flat" cmpd="sng" algn="ctr">
+                      <a:solidFill>
+                        <a:schemeClr val="tx1"/>
+                      </a:solidFill>
+                      <a:prstDash val="solid"/>
+                      <a:round/>
+                      <a:headEnd type="none" w="med" len="med"/>
+                      <a:tailEnd type="none" w="med" len="med"/>
+                    </a:lnL>
+                    <a:lnR w="12700" cap="flat" cmpd="sng" algn="ctr">
+                      <a:solidFill>
+                        <a:schemeClr val="tx1"/>
+                      </a:solidFill>
+                      <a:prstDash val="solid"/>
+                      <a:round/>
+                      <a:headEnd type="none" w="med" len="med"/>
+                      <a:tailEnd type="none" w="med" len="med"/>
+                    </a:lnR>
+                    <a:lnT w="12700" cap="flat" cmpd="sng" algn="ctr">
+                      <a:solidFill>
+                        <a:schemeClr val="tx1"/>
+                      </a:solidFill>
+                      <a:prstDash val="solid"/>
+                      <a:round/>
+                      <a:headEnd type="none" w="med" len="med"/>
+                      <a:tailEnd type="none" w="med" len="med"/>
+                    </a:lnT>
+                    <a:lnB w="12700" cap="flat" cmpd="sng" algn="ctr">
+                      <a:solidFill>
+                        <a:schemeClr val="tx1"/>
+                      </a:solidFill>
+                      <a:prstDash val="solid"/>
+                      <a:round/>
+                      <a:headEnd type="none" w="med" len="med"/>
+                      <a:tailEnd type="none" w="med" len="med"/>
+                    </a:lnB>
+                    <a:lnTlToBr w="12700" cmpd="sng">
+                      <a:noFill/>
+                      <a:prstDash val="solid"/>
+                    </a:lnTlToBr>
+                    <a:lnBlToTr w="12700" cmpd="sng">
+                      <a:noFill/>
+                      <a:prstDash val="solid"/>
+                    </a:lnBlToTr>
+                  </a:tcPr>
+                </a:tc>
+                <a:tc>
+                  <a:txBody>
+                    <a:bodyPr/>
+                    <a:lstStyle/>
+                    <a:p>
+                      <a:pPr latinLnBrk="1"/>
+                      <a:r>
+                        <a:rPr lang="ko-KR" altLang="en-US" sz="1400" dirty="0" smtClean="0"/>
+                        <a:t>현 포스트 본문</a:t>
+                      </a:r>
+                      <a:endParaRPr lang="ko-KR" altLang="en-US" sz="1400" dirty="0"/>
+                    </a:p>
+                  </a:txBody>
+                  <a:tcPr>
+                    <a:lnL w="12700" cap="flat" cmpd="sng" algn="ctr">
+                      <a:solidFill>
+                        <a:schemeClr val="tx1"/>
+                      </a:solidFill>
+                      <a:prstDash val="solid"/>
+                      <a:round/>
+                      <a:headEnd type="none" w="med" len="med"/>
+                      <a:tailEnd type="none" w="med" len="med"/>
+                    </a:lnL>
+                    <a:lnR w="12700" cap="flat" cmpd="sng" algn="ctr">
+                      <a:solidFill>
+                        <a:schemeClr val="tx1"/>
+                      </a:solidFill>
+                      <a:prstDash val="solid"/>
+                      <a:round/>
+                      <a:headEnd type="none" w="med" len="med"/>
+                      <a:tailEnd type="none" w="med" len="med"/>
+                    </a:lnR>
+                    <a:lnT w="12700" cap="flat" cmpd="sng" algn="ctr">
+                      <a:solidFill>
+                        <a:schemeClr val="tx1"/>
+                      </a:solidFill>
+                      <a:prstDash val="solid"/>
+                      <a:round/>
+                      <a:headEnd type="none" w="med" len="med"/>
+                      <a:tailEnd type="none" w="med" len="med"/>
+                    </a:lnT>
+                    <a:lnB w="12700" cap="flat" cmpd="sng" algn="ctr">
+                      <a:solidFill>
+                        <a:schemeClr val="tx1"/>
+                      </a:solidFill>
+                      <a:prstDash val="solid"/>
+                      <a:round/>
+                      <a:headEnd type="none" w="med" len="med"/>
+                      <a:tailEnd type="none" w="med" len="med"/>
+                    </a:lnB>
+                    <a:lnTlToBr w="12700" cmpd="sng">
+                      <a:noFill/>
+                      <a:prstDash val="solid"/>
+                    </a:lnTlToBr>
+                    <a:lnBlToTr w="12700" cmpd="sng">
+                      <a:noFill/>
+                      <a:prstDash val="solid"/>
+                    </a:lnBlToTr>
+                  </a:tcPr>
+                </a:tc>
+              </a:tr>
+            </a:tbl>
+          </a:graphicData>
+        </a:graphic>
+      </p:graphicFrame>
+      <p:pic>
+        <p:nvPicPr>
+          <p:cNvPr id="1026" name="Picture 2"/>
+          <p:cNvPicPr>
+            <a:picLocks noChangeAspect="1" noChangeArrowheads="1"/>
+          </p:cNvPicPr>
+          <p:nvPr/>
+        </p:nvPicPr>
+        <p:blipFill>
+          <a:blip r:embed="rId2">
+            <a:extLst>
+              <a:ext uri="{28A0092B-C50C-407E-A947-70E740481C1C}">
+                <a14:useLocalDpi xmlns:a14="http://schemas.microsoft.com/office/drawing/2010/main" val="0"/>
+              </a:ext>
+            </a:extLst>
+          </a:blip>
+          <a:srcRect/>
+          <a:stretch>
+            <a:fillRect/>
+          </a:stretch>
+        </p:blipFill>
+        <p:spPr bwMode="auto">
+          <a:xfrm>
+            <a:off x="490537" y="1340768"/>
+            <a:ext cx="8162925" cy="1238250"/>
+          </a:xfrm>
+          <a:prstGeom prst="rect">
+            <a:avLst/>
+          </a:prstGeom>
+          <a:noFill/>
+          <a:ln>
+            <a:noFill/>
+          </a:ln>
+          <a:extLst>
+            <a:ext uri="{909E8E84-426E-40DD-AFC4-6F175D3DCCD1}">
+              <a14:hiddenFill xmlns:a14="http://schemas.microsoft.com/office/drawing/2010/main">
+                <a:solidFill>
+                  <a:schemeClr val="accent1"/>
+                </a:solidFill>
+              </a14:hiddenFill>
+            </a:ext>
+            <a:ext uri="{91240B29-F687-4F45-9708-019B960494DF}">
+              <a14:hiddenLine xmlns:a14="http://schemas.microsoft.com/office/drawing/2010/main" w="9525">
+                <a:solidFill>
+                  <a:schemeClr val="tx1"/>
+                </a:solidFill>
+                <a:miter lim="800000"/>
+                <a:headEnd/>
+                <a:tailEnd/>
+              </a14:hiddenLine>
+            </a:ext>
+          </a:extLst>
+        </p:spPr>
+      </p:pic>
+      <p:sp>
+        <p:nvSpPr>
+          <p:cNvPr id="15" name="타원 14"/>
+          <p:cNvSpPr>
+            <a:spLocks noChangeAspect="1"/>
+          </p:cNvSpPr>
+          <p:nvPr/>
+        </p:nvSpPr>
+        <p:spPr>
+          <a:xfrm>
+            <a:off x="919717" y="1340768"/>
+            <a:ext cx="123891" cy="123891"/>
+          </a:xfrm>
+          <a:prstGeom prst="ellipse">
+            <a:avLst/>
+          </a:prstGeom>
+        </p:spPr>
+        <p:style>
+          <a:lnRef idx="2">
+            <a:schemeClr val="accent1">
+              <a:shade val="50000"/>
+            </a:schemeClr>
+          </a:lnRef>
+          <a:fillRef idx="1">
+            <a:schemeClr val="accent1"/>
+          </a:fillRef>
+          <a:effectRef idx="0">
+            <a:schemeClr val="accent1"/>
+          </a:effectRef>
+          <a:fontRef idx="minor">
+            <a:schemeClr val="lt1"/>
+          </a:fontRef>
+        </p:style>
+        <p:txBody>
+          <a:bodyPr lIns="0" tIns="0" rIns="0" bIns="0" rtlCol="0" anchor="ctr"/>
+          <a:lstStyle/>
+          <a:p>
+            <a:pPr algn="ctr"/>
+            <a:r>
+              <a:rPr lang="en-US" altLang="ko-KR" sz="800" dirty="0" smtClean="0"/>
+              <a:t>1</a:t>
+            </a:r>
+            <a:endParaRPr lang="ko-KR" altLang="en-US" sz="800" dirty="0"/>
+          </a:p>
+        </p:txBody>
+      </p:sp>
+      <p:sp>
+        <p:nvSpPr>
+          <p:cNvPr id="17" name="타원 16"/>
+          <p:cNvSpPr>
+            <a:spLocks noChangeAspect="1"/>
+          </p:cNvSpPr>
+          <p:nvPr/>
+        </p:nvSpPr>
+        <p:spPr>
+          <a:xfrm>
+            <a:off x="2431885" y="1340768"/>
+            <a:ext cx="123891" cy="123891"/>
+          </a:xfrm>
+          <a:prstGeom prst="ellipse">
+            <a:avLst/>
+          </a:prstGeom>
+        </p:spPr>
+        <p:style>
+          <a:lnRef idx="2">
+            <a:schemeClr val="accent1">
+              <a:shade val="50000"/>
+            </a:schemeClr>
+          </a:lnRef>
+          <a:fillRef idx="1">
+            <a:schemeClr val="accent1"/>
+          </a:fillRef>
+          <a:effectRef idx="0">
+            <a:schemeClr val="accent1"/>
+          </a:effectRef>
+          <a:fontRef idx="minor">
+            <a:schemeClr val="lt1"/>
+          </a:fontRef>
+        </p:style>
+        <p:txBody>
+          <a:bodyPr lIns="0" tIns="0" rIns="0" bIns="0" rtlCol="0" anchor="ctr"/>
+          <a:lstStyle/>
+          <a:p>
+            <a:pPr algn="ctr"/>
+            <a:r>
+              <a:rPr lang="en-US" altLang="ko-KR" sz="800" dirty="0" smtClean="0"/>
+              <a:t>2</a:t>
+            </a:r>
+            <a:endParaRPr lang="ko-KR" altLang="en-US" sz="800" dirty="0"/>
+          </a:p>
+        </p:txBody>
+      </p:sp>
+      <p:sp>
+        <p:nvSpPr>
+          <p:cNvPr id="18" name="타원 17"/>
+          <p:cNvSpPr>
+            <a:spLocks noChangeAspect="1"/>
+          </p:cNvSpPr>
+          <p:nvPr/>
+        </p:nvSpPr>
+        <p:spPr>
+          <a:xfrm>
+            <a:off x="559677" y="1648925"/>
+            <a:ext cx="123891" cy="123891"/>
+          </a:xfrm>
+          <a:prstGeom prst="ellipse">
+            <a:avLst/>
+          </a:prstGeom>
+        </p:spPr>
+        <p:style>
+          <a:lnRef idx="2">
+            <a:schemeClr val="accent1">
+              <a:shade val="50000"/>
+            </a:schemeClr>
+          </a:lnRef>
+          <a:fillRef idx="1">
+            <a:schemeClr val="accent1"/>
+          </a:fillRef>
+          <a:effectRef idx="0">
+            <a:schemeClr val="accent1"/>
+          </a:effectRef>
+          <a:fontRef idx="minor">
+            <a:schemeClr val="lt1"/>
+          </a:fontRef>
+        </p:style>
+        <p:txBody>
+          <a:bodyPr lIns="0" tIns="0" rIns="0" bIns="0" rtlCol="0" anchor="ctr"/>
+          <a:lstStyle/>
+          <a:p>
+            <a:pPr algn="ctr"/>
+            <a:r>
+              <a:rPr lang="en-US" altLang="ko-KR" sz="800" dirty="0" smtClean="0"/>
+              <a:t>3</a:t>
+            </a:r>
+            <a:endParaRPr lang="ko-KR" altLang="en-US" sz="800" dirty="0"/>
+          </a:p>
+        </p:txBody>
+      </p:sp>
+      <p:sp>
+        <p:nvSpPr>
+          <p:cNvPr id="19" name="타원 18"/>
+          <p:cNvSpPr>
+            <a:spLocks noChangeAspect="1"/>
+          </p:cNvSpPr>
+          <p:nvPr/>
+        </p:nvSpPr>
+        <p:spPr>
+          <a:xfrm>
+            <a:off x="1495781" y="1591517"/>
+            <a:ext cx="123891" cy="123891"/>
+          </a:xfrm>
+          <a:prstGeom prst="ellipse">
+            <a:avLst/>
+          </a:prstGeom>
+        </p:spPr>
+        <p:style>
+          <a:lnRef idx="2">
+            <a:schemeClr val="accent1">
+              <a:shade val="50000"/>
+            </a:schemeClr>
+          </a:lnRef>
+          <a:fillRef idx="1">
+            <a:schemeClr val="accent1"/>
+          </a:fillRef>
+          <a:effectRef idx="0">
+            <a:schemeClr val="accent1"/>
+          </a:effectRef>
+          <a:fontRef idx="minor">
+            <a:schemeClr val="lt1"/>
+          </a:fontRef>
+        </p:style>
+        <p:txBody>
+          <a:bodyPr lIns="0" tIns="0" rIns="0" bIns="0" rtlCol="0" anchor="ctr"/>
+          <a:lstStyle/>
+          <a:p>
+            <a:pPr algn="ctr"/>
+            <a:r>
+              <a:rPr lang="en-US" altLang="ko-KR" sz="800" dirty="0" smtClean="0"/>
+              <a:t>4</a:t>
+            </a:r>
+            <a:endParaRPr lang="ko-KR" altLang="en-US" sz="800" dirty="0"/>
+          </a:p>
+        </p:txBody>
+      </p:sp>
+      <p:sp>
+        <p:nvSpPr>
+          <p:cNvPr id="20" name="타원 19"/>
+          <p:cNvSpPr>
+            <a:spLocks noChangeAspect="1"/>
+          </p:cNvSpPr>
+          <p:nvPr/>
+        </p:nvSpPr>
+        <p:spPr>
+          <a:xfrm>
+            <a:off x="565260" y="1798524"/>
+            <a:ext cx="123891" cy="123891"/>
+          </a:xfrm>
+          <a:prstGeom prst="ellipse">
+            <a:avLst/>
+          </a:prstGeom>
+        </p:spPr>
+        <p:style>
+          <a:lnRef idx="2">
+            <a:schemeClr val="accent1">
+              <a:shade val="50000"/>
+            </a:schemeClr>
+          </a:lnRef>
+          <a:fillRef idx="1">
+            <a:schemeClr val="accent1"/>
+          </a:fillRef>
+          <a:effectRef idx="0">
+            <a:schemeClr val="accent1"/>
+          </a:effectRef>
+          <a:fontRef idx="minor">
+            <a:schemeClr val="lt1"/>
+          </a:fontRef>
+        </p:style>
+        <p:txBody>
+          <a:bodyPr lIns="0" tIns="0" rIns="0" bIns="0" rtlCol="0" anchor="ctr"/>
+          <a:lstStyle/>
+          <a:p>
+            <a:pPr algn="ctr"/>
+            <a:r>
+              <a:rPr lang="en-US" altLang="ko-KR" sz="800" dirty="0" smtClean="0"/>
+              <a:t>5</a:t>
+            </a:r>
+            <a:endParaRPr lang="ko-KR" altLang="en-US" sz="800" dirty="0"/>
+          </a:p>
+        </p:txBody>
+      </p:sp>
+      <p:sp>
+        <p:nvSpPr>
+          <p:cNvPr id="21" name="타원 20"/>
+          <p:cNvSpPr>
+            <a:spLocks noChangeAspect="1"/>
+          </p:cNvSpPr>
+          <p:nvPr/>
+        </p:nvSpPr>
+        <p:spPr>
+          <a:xfrm>
+            <a:off x="559677" y="2152981"/>
+            <a:ext cx="123891" cy="123891"/>
+          </a:xfrm>
+          <a:prstGeom prst="ellipse">
+            <a:avLst/>
+          </a:prstGeom>
+        </p:spPr>
+        <p:style>
+          <a:lnRef idx="2">
+            <a:schemeClr val="accent1">
+              <a:shade val="50000"/>
+            </a:schemeClr>
+          </a:lnRef>
+          <a:fillRef idx="1">
+            <a:schemeClr val="accent1"/>
+          </a:fillRef>
+          <a:effectRef idx="0">
+            <a:schemeClr val="accent1"/>
+          </a:effectRef>
+          <a:fontRef idx="minor">
+            <a:schemeClr val="lt1"/>
+          </a:fontRef>
+        </p:style>
+        <p:txBody>
+          <a:bodyPr lIns="0" tIns="0" rIns="0" bIns="0" rtlCol="0" anchor="ctr"/>
+          <a:lstStyle/>
+          <a:p>
+            <a:pPr algn="ctr"/>
+            <a:r>
+              <a:rPr lang="en-US" altLang="ko-KR" sz="800" dirty="0" smtClean="0"/>
+              <a:t>6</a:t>
+            </a:r>
+          </a:p>
+        </p:txBody>
+      </p:sp>
+    </p:spTree>
+    <p:extLst>
+      <p:ext uri="{BB962C8B-B14F-4D97-AF65-F5344CB8AC3E}">
+        <p14:creationId xmlns:p14="http://schemas.microsoft.com/office/powerpoint/2010/main" val="1749339485"/>
+      </p:ext>
+    </p:extLst>
+  </p:cSld>
+  <p:clrMapOvr>
+    <a:masterClrMapping/>
+  </p:clrMapOvr>
+  <p:timing>
+    <p:tnLst>
+      <p:par>
+        <p:cTn id="1" dur="indefinite" restart="never" nodeType="tmRoot"/>
+      </p:par>
+    </p:tnLst>
+  </p:timing>
+</p:sld>
+</file>
+
+<file path=ppt/slides/slide5.xml><?xml version="1.0" encoding="utf-8"?>
+<p:sld xmlns:a="http://schemas.openxmlformats.org/drawingml/2006/main" xmlns:r="http://schemas.openxmlformats.org/officeDocument/2006/relationships" xmlns:p="http://schemas.openxmlformats.org/presentationml/2006/main">
+  <p:cSld>
+    <p:spTree>
+      <p:nvGrpSpPr>
+        <p:cNvPr id="1" name=""/>
+        <p:cNvGrpSpPr/>
+        <p:nvPr/>
+      </p:nvGrpSpPr>
+      <p:grpSpPr>
+        <a:xfrm>
+          <a:off x="0" y="0"/>
+          <a:ext cx="0" cy="0"/>
+          <a:chOff x="0" y="0"/>
+          <a:chExt cx="0" cy="0"/>
+        </a:xfrm>
+      </p:grpSpPr>
+      <p:sp>
+        <p:nvSpPr>
+          <p:cNvPr id="2" name="제목 1"/>
+          <p:cNvSpPr>
+            <a:spLocks noGrp="1"/>
+          </p:cNvSpPr>
+          <p:nvPr>
+            <p:ph type="title"/>
+          </p:nvPr>
+        </p:nvSpPr>
+        <p:spPr>
+          <a:xfrm>
+            <a:off x="457200" y="274638"/>
             <a:ext cx="8229600" cy="634082"/>
           </a:xfrm>
         </p:spPr>
@@ -3717,7 +7976,7 @@
         </p:spPr>
         <p:txBody>
           <a:bodyPr>
-            <a:normAutofit fontScale="55000" lnSpcReduction="20000"/>
+            <a:normAutofit fontScale="70000" lnSpcReduction="20000"/>
           </a:bodyPr>
           <a:lstStyle/>
           <a:p>
@@ -3782,26 +8041,11 @@
             </a:pPr>
             <a:r>
               <a:rPr lang="ko-KR" altLang="en-US" dirty="0" smtClean="0"/>
-              <a:t>검색조건 탭</a:t>
-            </a:r>
-            <a:endParaRPr lang="en-US" altLang="ko-KR" dirty="0" smtClean="0"/>
-          </a:p>
-          <a:p>
-            <a:pPr lvl="1"/>
+              <a:t>결과 </a:t>
+            </a:r>
             <a:r>
               <a:rPr lang="ko-KR" altLang="en-US" dirty="0" smtClean="0"/>
-              <a:t>새 검색조건 적용 및 신규 검색 시 조건 적용</a:t>
-            </a:r>
-            <a:endParaRPr lang="en-US" altLang="ko-KR" dirty="0" smtClean="0"/>
-          </a:p>
-          <a:p>
-            <a:pPr marL="514350" indent="-514350">
-              <a:buFont typeface="+mj-lt"/>
-              <a:buAutoNum type="arabicPeriod"/>
-            </a:pPr>
-            <a:r>
-              <a:rPr lang="ko-KR" altLang="en-US" dirty="0" smtClean="0"/>
-              <a:t>결과 출력</a:t>
+              <a:t>출력</a:t>
             </a:r>
             <a:endParaRPr lang="en-US" altLang="ko-KR" dirty="0" smtClean="0"/>
           </a:p>
@@ -3976,7 +8220,7 @@
 </p:sld>
 </file>
 
-<file path=ppt/slides/slide4.xml><?xml version="1.0" encoding="utf-8"?>
+<file path=ppt/slides/slide6.xml><?xml version="1.0" encoding="utf-8"?>
 <p:sld xmlns:a="http://schemas.openxmlformats.org/drawingml/2006/main" xmlns:r="http://schemas.openxmlformats.org/officeDocument/2006/relationships" xmlns:p="http://schemas.openxmlformats.org/presentationml/2006/main">
   <p:cSld>
     <p:spTree>
@@ -4090,7 +8334,7 @@
         </p:spPr>
         <p:txBody>
           <a:bodyPr>
-            <a:normAutofit fontScale="55000" lnSpcReduction="20000"/>
+            <a:normAutofit fontScale="70000" lnSpcReduction="20000"/>
           </a:bodyPr>
           <a:lstStyle/>
           <a:p>
@@ -4155,26 +8399,11 @@
             </a:pPr>
             <a:r>
               <a:rPr lang="ko-KR" altLang="en-US" dirty="0" smtClean="0"/>
-              <a:t>검색조건 탭</a:t>
-            </a:r>
-            <a:endParaRPr lang="en-US" altLang="ko-KR" dirty="0" smtClean="0"/>
-          </a:p>
-          <a:p>
-            <a:pPr lvl="1"/>
+              <a:t>결과 </a:t>
+            </a:r>
             <a:r>
               <a:rPr lang="ko-KR" altLang="en-US" dirty="0" smtClean="0"/>
-              <a:t>새 검색조건 적용 및 신규 검색 시 조건 적용</a:t>
-            </a:r>
-            <a:endParaRPr lang="en-US" altLang="ko-KR" dirty="0" smtClean="0"/>
-          </a:p>
-          <a:p>
-            <a:pPr marL="514350" indent="-514350">
-              <a:buFont typeface="+mj-lt"/>
-              <a:buAutoNum type="arabicPeriod"/>
-            </a:pPr>
-            <a:r>
-              <a:rPr lang="ko-KR" altLang="en-US" dirty="0" smtClean="0"/>
-              <a:t>결과 출력</a:t>
+              <a:t>출력</a:t>
             </a:r>
             <a:endParaRPr lang="en-US" altLang="ko-KR" dirty="0" smtClean="0"/>
           </a:p>

--- a/doc/포럼검색화면설계서_20150120.pptx
+++ b/doc/포럼검색화면설계서_20150120.pptx
@@ -293,7 +293,7 @@
           <a:p>
             <a:fld id="{D68016ED-089A-46F8-B5D6-3CD20C18E99E}" type="datetimeFigureOut">
               <a:rPr lang="ko-KR" altLang="en-US" smtClean="0"/>
-              <a:t>2016-01-21</a:t>
+              <a:t>2016-01-22</a:t>
             </a:fld>
             <a:endParaRPr lang="ko-KR" altLang="en-US"/>
           </a:p>
@@ -463,7 +463,7 @@
           <a:p>
             <a:fld id="{D68016ED-089A-46F8-B5D6-3CD20C18E99E}" type="datetimeFigureOut">
               <a:rPr lang="ko-KR" altLang="en-US" smtClean="0"/>
-              <a:t>2016-01-21</a:t>
+              <a:t>2016-01-22</a:t>
             </a:fld>
             <a:endParaRPr lang="ko-KR" altLang="en-US"/>
           </a:p>
@@ -643,7 +643,7 @@
           <a:p>
             <a:fld id="{D68016ED-089A-46F8-B5D6-3CD20C18E99E}" type="datetimeFigureOut">
               <a:rPr lang="ko-KR" altLang="en-US" smtClean="0"/>
-              <a:t>2016-01-21</a:t>
+              <a:t>2016-01-22</a:t>
             </a:fld>
             <a:endParaRPr lang="ko-KR" altLang="en-US"/>
           </a:p>
@@ -813,7 +813,7 @@
           <a:p>
             <a:fld id="{D68016ED-089A-46F8-B5D6-3CD20C18E99E}" type="datetimeFigureOut">
               <a:rPr lang="ko-KR" altLang="en-US" smtClean="0"/>
-              <a:t>2016-01-21</a:t>
+              <a:t>2016-01-22</a:t>
             </a:fld>
             <a:endParaRPr lang="ko-KR" altLang="en-US"/>
           </a:p>
@@ -1059,7 +1059,7 @@
           <a:p>
             <a:fld id="{D68016ED-089A-46F8-B5D6-3CD20C18E99E}" type="datetimeFigureOut">
               <a:rPr lang="ko-KR" altLang="en-US" smtClean="0"/>
-              <a:t>2016-01-21</a:t>
+              <a:t>2016-01-22</a:t>
             </a:fld>
             <a:endParaRPr lang="ko-KR" altLang="en-US"/>
           </a:p>
@@ -1347,7 +1347,7 @@
           <a:p>
             <a:fld id="{D68016ED-089A-46F8-B5D6-3CD20C18E99E}" type="datetimeFigureOut">
               <a:rPr lang="ko-KR" altLang="en-US" smtClean="0"/>
-              <a:t>2016-01-21</a:t>
+              <a:t>2016-01-22</a:t>
             </a:fld>
             <a:endParaRPr lang="ko-KR" altLang="en-US"/>
           </a:p>
@@ -1769,7 +1769,7 @@
           <a:p>
             <a:fld id="{D68016ED-089A-46F8-B5D6-3CD20C18E99E}" type="datetimeFigureOut">
               <a:rPr lang="ko-KR" altLang="en-US" smtClean="0"/>
-              <a:t>2016-01-21</a:t>
+              <a:t>2016-01-22</a:t>
             </a:fld>
             <a:endParaRPr lang="ko-KR" altLang="en-US"/>
           </a:p>
@@ -1887,7 +1887,7 @@
           <a:p>
             <a:fld id="{D68016ED-089A-46F8-B5D6-3CD20C18E99E}" type="datetimeFigureOut">
               <a:rPr lang="ko-KR" altLang="en-US" smtClean="0"/>
-              <a:t>2016-01-21</a:t>
+              <a:t>2016-01-22</a:t>
             </a:fld>
             <a:endParaRPr lang="ko-KR" altLang="en-US"/>
           </a:p>
@@ -1982,7 +1982,7 @@
           <a:p>
             <a:fld id="{D68016ED-089A-46F8-B5D6-3CD20C18E99E}" type="datetimeFigureOut">
               <a:rPr lang="ko-KR" altLang="en-US" smtClean="0"/>
-              <a:t>2016-01-21</a:t>
+              <a:t>2016-01-22</a:t>
             </a:fld>
             <a:endParaRPr lang="ko-KR" altLang="en-US"/>
           </a:p>
@@ -2259,7 +2259,7 @@
           <a:p>
             <a:fld id="{D68016ED-089A-46F8-B5D6-3CD20C18E99E}" type="datetimeFigureOut">
               <a:rPr lang="ko-KR" altLang="en-US" smtClean="0"/>
-              <a:t>2016-01-21</a:t>
+              <a:t>2016-01-22</a:t>
             </a:fld>
             <a:endParaRPr lang="ko-KR" altLang="en-US"/>
           </a:p>
@@ -2512,7 +2512,7 @@
           <a:p>
             <a:fld id="{D68016ED-089A-46F8-B5D6-3CD20C18E99E}" type="datetimeFigureOut">
               <a:rPr lang="ko-KR" altLang="en-US" smtClean="0"/>
-              <a:t>2016-01-21</a:t>
+              <a:t>2016-01-22</a:t>
             </a:fld>
             <a:endParaRPr lang="ko-KR" altLang="en-US"/>
           </a:p>
@@ -2725,7 +2725,7 @@
           <a:p>
             <a:fld id="{D68016ED-089A-46F8-B5D6-3CD20C18E99E}" type="datetimeFigureOut">
               <a:rPr lang="ko-KR" altLang="en-US" smtClean="0"/>
-              <a:t>2016-01-21</a:t>
+              <a:t>2016-01-22</a:t>
             </a:fld>
             <a:endParaRPr lang="ko-KR" altLang="en-US"/>
           </a:p>
@@ -3291,11 +3291,7 @@
             </a:pPr>
             <a:r>
               <a:rPr lang="ko-KR" altLang="en-US" sz="1400" dirty="0" smtClean="0"/>
-              <a:t>조건 </a:t>
-            </a:r>
-            <a:r>
-              <a:rPr lang="ko-KR" altLang="en-US" sz="1400" dirty="0" smtClean="0"/>
-              <a:t>검색</a:t>
+              <a:t>조건 검색</a:t>
             </a:r>
             <a:r>
               <a:rPr lang="en-US" altLang="ko-KR" sz="1400" dirty="0" smtClean="0"/>
@@ -3309,7 +3305,6 @@
               <a:rPr lang="en-US" altLang="ko-KR" sz="1400" dirty="0" smtClean="0"/>
               <a:t>)</a:t>
             </a:r>
-            <a:endParaRPr lang="en-US" altLang="ko-KR" sz="1400" dirty="0" smtClean="0"/>
           </a:p>
           <a:p>
             <a:pPr marL="971550" lvl="1" indent="-514350">
@@ -3395,7 +3390,6 @@
               <a:rPr lang="en-US" altLang="ko-KR" sz="1400" dirty="0" smtClean="0"/>
               <a:t>)</a:t>
             </a:r>
-            <a:endParaRPr lang="en-US" altLang="ko-KR" sz="1400" dirty="0" smtClean="0"/>
           </a:p>
           <a:p>
             <a:pPr marL="971550" lvl="1" indent="-514350">
@@ -3579,8 +3573,8 @@
         </p:blipFill>
         <p:spPr bwMode="auto">
           <a:xfrm>
-            <a:off x="5868144" y="3886926"/>
-            <a:ext cx="1598022" cy="2794645"/>
+            <a:off x="4989693" y="3505055"/>
+            <a:ext cx="1919433" cy="3356733"/>
           </a:xfrm>
           <a:prstGeom prst="rect">
             <a:avLst/>
@@ -8041,11 +8035,7 @@
             </a:pPr>
             <a:r>
               <a:rPr lang="ko-KR" altLang="en-US" dirty="0" smtClean="0"/>
-              <a:t>결과 </a:t>
-            </a:r>
-            <a:r>
-              <a:rPr lang="ko-KR" altLang="en-US" dirty="0" smtClean="0"/>
-              <a:t>출력</a:t>
+              <a:t>결과 출력</a:t>
             </a:r>
             <a:endParaRPr lang="en-US" altLang="ko-KR" dirty="0" smtClean="0"/>
           </a:p>
@@ -8399,11 +8389,7 @@
             </a:pPr>
             <a:r>
               <a:rPr lang="ko-KR" altLang="en-US" dirty="0" smtClean="0"/>
-              <a:t>결과 </a:t>
-            </a:r>
-            <a:r>
-              <a:rPr lang="ko-KR" altLang="en-US" dirty="0" smtClean="0"/>
-              <a:t>출력</a:t>
+              <a:t>결과 출력</a:t>
             </a:r>
             <a:endParaRPr lang="en-US" altLang="ko-KR" dirty="0" smtClean="0"/>
           </a:p>
